--- a/figures/train_prelim.pptx
+++ b/figures/train_prelim.pptx
@@ -104,6 +104,11 @@
       </a:defRPr>
     </a:lvl9pPr>
   </p:defaultTextStyle>
+  <p:extLst>
+    <p:ext uri="{EFAFB233-063F-42B5-8137-9DF3F51BA10A}">
+      <p15:sldGuideLst xmlns:p15="http://schemas.microsoft.com/office/powerpoint/2012/main"/>
+    </p:ext>
+  </p:extLst>
 </p:presentation>
 </file>
 
@@ -238,7 +243,7 @@
           <a:p>
             <a:fld id="{29ECB265-18A1-4B44-AB36-1A05960C5FFF}" type="datetimeFigureOut">
               <a:rPr lang="zh-CN" altLang="en-US" smtClean="0"/>
-              <a:t>2018/9/6</a:t>
+              <a:t>2018/9/10</a:t>
             </a:fld>
             <a:endParaRPr lang="zh-CN" altLang="en-US"/>
           </a:p>
@@ -408,7 +413,7 @@
           <a:p>
             <a:fld id="{29ECB265-18A1-4B44-AB36-1A05960C5FFF}" type="datetimeFigureOut">
               <a:rPr lang="zh-CN" altLang="en-US" smtClean="0"/>
-              <a:t>2018/9/6</a:t>
+              <a:t>2018/9/10</a:t>
             </a:fld>
             <a:endParaRPr lang="zh-CN" altLang="en-US"/>
           </a:p>
@@ -588,7 +593,7 @@
           <a:p>
             <a:fld id="{29ECB265-18A1-4B44-AB36-1A05960C5FFF}" type="datetimeFigureOut">
               <a:rPr lang="zh-CN" altLang="en-US" smtClean="0"/>
-              <a:t>2018/9/6</a:t>
+              <a:t>2018/9/10</a:t>
             </a:fld>
             <a:endParaRPr lang="zh-CN" altLang="en-US"/>
           </a:p>
@@ -758,7 +763,7 @@
           <a:p>
             <a:fld id="{29ECB265-18A1-4B44-AB36-1A05960C5FFF}" type="datetimeFigureOut">
               <a:rPr lang="zh-CN" altLang="en-US" smtClean="0"/>
-              <a:t>2018/9/6</a:t>
+              <a:t>2018/9/10</a:t>
             </a:fld>
             <a:endParaRPr lang="zh-CN" altLang="en-US"/>
           </a:p>
@@ -1002,7 +1007,7 @@
           <a:p>
             <a:fld id="{29ECB265-18A1-4B44-AB36-1A05960C5FFF}" type="datetimeFigureOut">
               <a:rPr lang="zh-CN" altLang="en-US" smtClean="0"/>
-              <a:t>2018/9/6</a:t>
+              <a:t>2018/9/10</a:t>
             </a:fld>
             <a:endParaRPr lang="zh-CN" altLang="en-US"/>
           </a:p>
@@ -1234,7 +1239,7 @@
           <a:p>
             <a:fld id="{29ECB265-18A1-4B44-AB36-1A05960C5FFF}" type="datetimeFigureOut">
               <a:rPr lang="zh-CN" altLang="en-US" smtClean="0"/>
-              <a:t>2018/9/6</a:t>
+              <a:t>2018/9/10</a:t>
             </a:fld>
             <a:endParaRPr lang="zh-CN" altLang="en-US"/>
           </a:p>
@@ -1601,7 +1606,7 @@
           <a:p>
             <a:fld id="{29ECB265-18A1-4B44-AB36-1A05960C5FFF}" type="datetimeFigureOut">
               <a:rPr lang="zh-CN" altLang="en-US" smtClean="0"/>
-              <a:t>2018/9/6</a:t>
+              <a:t>2018/9/10</a:t>
             </a:fld>
             <a:endParaRPr lang="zh-CN" altLang="en-US"/>
           </a:p>
@@ -1719,7 +1724,7 @@
           <a:p>
             <a:fld id="{29ECB265-18A1-4B44-AB36-1A05960C5FFF}" type="datetimeFigureOut">
               <a:rPr lang="zh-CN" altLang="en-US" smtClean="0"/>
-              <a:t>2018/9/6</a:t>
+              <a:t>2018/9/10</a:t>
             </a:fld>
             <a:endParaRPr lang="zh-CN" altLang="en-US"/>
           </a:p>
@@ -1814,7 +1819,7 @@
           <a:p>
             <a:fld id="{29ECB265-18A1-4B44-AB36-1A05960C5FFF}" type="datetimeFigureOut">
               <a:rPr lang="zh-CN" altLang="en-US" smtClean="0"/>
-              <a:t>2018/9/6</a:t>
+              <a:t>2018/9/10</a:t>
             </a:fld>
             <a:endParaRPr lang="zh-CN" altLang="en-US"/>
           </a:p>
@@ -2091,7 +2096,7 @@
           <a:p>
             <a:fld id="{29ECB265-18A1-4B44-AB36-1A05960C5FFF}" type="datetimeFigureOut">
               <a:rPr lang="zh-CN" altLang="en-US" smtClean="0"/>
-              <a:t>2018/9/6</a:t>
+              <a:t>2018/9/10</a:t>
             </a:fld>
             <a:endParaRPr lang="zh-CN" altLang="en-US"/>
           </a:p>
@@ -2348,7 +2353,7 @@
           <a:p>
             <a:fld id="{29ECB265-18A1-4B44-AB36-1A05960C5FFF}" type="datetimeFigureOut">
               <a:rPr lang="zh-CN" altLang="en-US" smtClean="0"/>
-              <a:t>2018/9/6</a:t>
+              <a:t>2018/9/10</a:t>
             </a:fld>
             <a:endParaRPr lang="zh-CN" altLang="en-US"/>
           </a:p>
@@ -2585,7 +2590,7 @@
           <a:p>
             <a:fld id="{29ECB265-18A1-4B44-AB36-1A05960C5FFF}" type="datetimeFigureOut">
               <a:rPr lang="zh-CN" altLang="en-US" smtClean="0"/>
-              <a:t>2018/9/6</a:t>
+              <a:t>2018/9/10</a:t>
             </a:fld>
             <a:endParaRPr lang="zh-CN" altLang="en-US"/>
           </a:p>
@@ -3226,7 +3231,7 @@
           <a:lstStyle/>
           <a:p>
             <a:pPr algn="ctr"/>
-            <a:endParaRPr lang="zh-CN" altLang="en-US"/>
+            <a:endParaRPr lang="zh-CN" altLang="en-US" sz="1600"/>
           </a:p>
         </p:txBody>
       </p:sp>
@@ -3245,11 +3250,11 @@
             <a:avLst/>
           </a:prstGeom>
           <a:solidFill>
-            <a:srgbClr val="FF8C00"/>
+            <a:srgbClr val="B4009E"/>
           </a:solidFill>
           <a:ln>
             <a:solidFill>
-              <a:srgbClr val="D83B01"/>
+              <a:srgbClr val="5C005C"/>
             </a:solidFill>
           </a:ln>
         </p:spPr>
@@ -3275,14 +3280,14 @@
           <a:p>
             <a:pPr algn="ctr"/>
             <a:r>
-              <a:rPr lang="en-US" altLang="zh-CN" sz="1100" dirty="0" smtClean="0"/>
+              <a:rPr lang="en-US" altLang="zh-CN" sz="900" dirty="0" smtClean="0"/>
               <a:t>FP</a:t>
             </a:r>
             <a:r>
-              <a:rPr lang="en-US" altLang="zh-CN" sz="1100" baseline="-25000" dirty="0" smtClean="0"/>
+              <a:rPr lang="en-US" altLang="zh-CN" sz="900" baseline="-25000" dirty="0" smtClean="0"/>
               <a:t>0</a:t>
             </a:r>
-            <a:endParaRPr lang="zh-CN" altLang="en-US" sz="1100" baseline="-25000" dirty="0"/>
+            <a:endParaRPr lang="zh-CN" altLang="en-US" sz="900" baseline="-25000" dirty="0"/>
           </a:p>
         </p:txBody>
       </p:sp>
@@ -3301,11 +3306,11 @@
             <a:avLst/>
           </a:prstGeom>
           <a:solidFill>
-            <a:srgbClr val="FF8C00"/>
+            <a:srgbClr val="B4009E"/>
           </a:solidFill>
           <a:ln>
             <a:solidFill>
-              <a:srgbClr val="D83B01"/>
+              <a:srgbClr val="5C005C"/>
             </a:solidFill>
           </a:ln>
         </p:spPr>
@@ -3331,14 +3336,14 @@
           <a:p>
             <a:pPr algn="ctr"/>
             <a:r>
-              <a:rPr lang="en-US" altLang="zh-CN" sz="1100" dirty="0" smtClean="0"/>
+              <a:rPr lang="en-US" altLang="zh-CN" sz="900" dirty="0" smtClean="0"/>
               <a:t>FP</a:t>
             </a:r>
             <a:r>
-              <a:rPr lang="en-US" altLang="zh-CN" sz="1100" baseline="-25000" dirty="0" smtClean="0"/>
+              <a:rPr lang="en-US" altLang="zh-CN" sz="900" baseline="-25000" dirty="0" smtClean="0"/>
               <a:t>1</a:t>
             </a:r>
-            <a:endParaRPr lang="zh-CN" altLang="en-US" sz="1100" baseline="-25000" dirty="0"/>
+            <a:endParaRPr lang="zh-CN" altLang="en-US" sz="900" baseline="-25000" dirty="0"/>
           </a:p>
         </p:txBody>
       </p:sp>
@@ -3357,11 +3362,11 @@
             <a:avLst/>
           </a:prstGeom>
           <a:solidFill>
-            <a:srgbClr val="FF8C00"/>
+            <a:srgbClr val="B4009E"/>
           </a:solidFill>
           <a:ln>
             <a:solidFill>
-              <a:srgbClr val="D83B01"/>
+              <a:srgbClr val="5C005C"/>
             </a:solidFill>
           </a:ln>
         </p:spPr>
@@ -3387,14 +3392,14 @@
           <a:p>
             <a:pPr algn="ctr"/>
             <a:r>
-              <a:rPr lang="en-US" altLang="zh-CN" sz="1100" dirty="0" smtClean="0"/>
+              <a:rPr lang="en-US" altLang="zh-CN" sz="900" dirty="0" smtClean="0"/>
               <a:t>FP</a:t>
             </a:r>
             <a:r>
-              <a:rPr lang="en-US" altLang="zh-CN" sz="1100" baseline="-25000" dirty="0" smtClean="0"/>
+              <a:rPr lang="en-US" altLang="zh-CN" sz="900" baseline="-25000" dirty="0" smtClean="0"/>
               <a:t>2</a:t>
             </a:r>
-            <a:endParaRPr lang="zh-CN" altLang="en-US" sz="1100" baseline="-25000" dirty="0"/>
+            <a:endParaRPr lang="zh-CN" altLang="en-US" sz="900" baseline="-25000" dirty="0"/>
           </a:p>
         </p:txBody>
       </p:sp>
@@ -3413,11 +3418,11 @@
             <a:avLst/>
           </a:prstGeom>
           <a:solidFill>
-            <a:srgbClr val="FF8C00"/>
+            <a:srgbClr val="B4009E"/>
           </a:solidFill>
           <a:ln>
             <a:solidFill>
-              <a:srgbClr val="D83B01"/>
+              <a:srgbClr val="5C005C"/>
             </a:solidFill>
           </a:ln>
         </p:spPr>
@@ -3443,14 +3448,14 @@
           <a:p>
             <a:pPr algn="ctr"/>
             <a:r>
-              <a:rPr lang="en-US" altLang="zh-CN" sz="1100" dirty="0" smtClean="0"/>
+              <a:rPr lang="en-US" altLang="zh-CN" sz="900" dirty="0" smtClean="0"/>
               <a:t>FP</a:t>
             </a:r>
             <a:r>
-              <a:rPr lang="en-US" altLang="zh-CN" sz="1100" baseline="-25000" dirty="0" smtClean="0"/>
+              <a:rPr lang="en-US" altLang="zh-CN" sz="900" baseline="-25000" dirty="0" smtClean="0"/>
               <a:t>3</a:t>
             </a:r>
-            <a:endParaRPr lang="zh-CN" altLang="en-US" sz="1100" baseline="-25000" dirty="0"/>
+            <a:endParaRPr lang="zh-CN" altLang="en-US" sz="900" baseline="-25000" dirty="0"/>
           </a:p>
         </p:txBody>
       </p:sp>
@@ -3462,8 +3467,8 @@
         </p:nvSpPr>
         <p:spPr>
           <a:xfrm>
-            <a:off x="633678" y="1253319"/>
-            <a:ext cx="248786" cy="246221"/>
+            <a:off x="633678" y="1261013"/>
+            <a:ext cx="239168" cy="230832"/>
           </a:xfrm>
           <a:prstGeom prst="rect">
             <a:avLst/>
@@ -3477,14 +3482,14 @@
           <a:lstStyle/>
           <a:p>
             <a:r>
-              <a:rPr lang="en-US" altLang="zh-CN" sz="1000" b="1" dirty="0" smtClean="0">
+              <a:rPr lang="en-US" altLang="zh-CN" sz="900" b="1" dirty="0" smtClean="0">
                 <a:latin typeface="Cambria Math" panose="02040503050406030204" pitchFamily="18" charset="0"/>
                 <a:ea typeface="Cambria Math" panose="02040503050406030204" pitchFamily="18" charset="0"/>
                 <a:cs typeface="Times New Roman" panose="02020603050405020304" pitchFamily="18" charset="0"/>
               </a:rPr>
               <a:t>x</a:t>
             </a:r>
-            <a:endParaRPr lang="zh-CN" altLang="en-US" sz="1000" b="1" dirty="0">
+            <a:endParaRPr lang="zh-CN" altLang="en-US" sz="900" b="1" dirty="0">
               <a:latin typeface="Cambria Math" panose="02040503050406030204" pitchFamily="18" charset="0"/>
               <a:cs typeface="Times New Roman" panose="02020603050405020304" pitchFamily="18" charset="0"/>
             </a:endParaRPr>
@@ -3634,8 +3639,8 @@
         </p:nvSpPr>
         <p:spPr>
           <a:xfrm>
-            <a:off x="3412758" y="1235122"/>
-            <a:ext cx="295274" cy="246221"/>
+            <a:off x="3412758" y="1242816"/>
+            <a:ext cx="284052" cy="230832"/>
           </a:xfrm>
           <a:prstGeom prst="rect">
             <a:avLst/>
@@ -3649,7 +3654,7 @@
           <a:lstStyle/>
           <a:p>
             <a:r>
-              <a:rPr lang="en-US" altLang="zh-CN" sz="1000" b="1" dirty="0" smtClean="0">
+              <a:rPr lang="en-US" altLang="zh-CN" sz="900" b="1" dirty="0" smtClean="0">
                 <a:latin typeface="Cambria Math" panose="02040503050406030204" pitchFamily="18" charset="0"/>
                 <a:ea typeface="Cambria Math" panose="02040503050406030204" pitchFamily="18" charset="0"/>
                 <a:cs typeface="Times New Roman" panose="02020603050405020304" pitchFamily="18" charset="0"/>
@@ -3657,14 +3662,14 @@
               <a:t>y</a:t>
             </a:r>
             <a:r>
-              <a:rPr lang="en-US" altLang="zh-CN" sz="1000" b="1" baseline="-25000" dirty="0" smtClean="0">
+              <a:rPr lang="en-US" altLang="zh-CN" sz="900" b="1" baseline="-25000" dirty="0" smtClean="0">
                 <a:latin typeface="Cambria Math" panose="02040503050406030204" pitchFamily="18" charset="0"/>
                 <a:ea typeface="Cambria Math" panose="02040503050406030204" pitchFamily="18" charset="0"/>
                 <a:cs typeface="Times New Roman" panose="02020603050405020304" pitchFamily="18" charset="0"/>
               </a:rPr>
               <a:t>3</a:t>
             </a:r>
-            <a:endParaRPr lang="zh-CN" altLang="en-US" sz="1000" b="1" baseline="-25000" dirty="0">
+            <a:endParaRPr lang="zh-CN" altLang="en-US" sz="900" b="1" baseline="-25000" dirty="0">
               <a:latin typeface="Cambria Math" panose="02040503050406030204" pitchFamily="18" charset="0"/>
               <a:cs typeface="Times New Roman" panose="02020603050405020304" pitchFamily="18" charset="0"/>
             </a:endParaRPr>
@@ -3833,14 +3838,14 @@
           <a:p>
             <a:pPr algn="ctr"/>
             <a:r>
-              <a:rPr lang="en-US" altLang="zh-CN" sz="1100" dirty="0" smtClean="0"/>
+              <a:rPr lang="en-US" altLang="zh-CN" sz="900" dirty="0" smtClean="0"/>
               <a:t>WG</a:t>
             </a:r>
             <a:r>
-              <a:rPr lang="en-US" altLang="zh-CN" sz="1100" baseline="-25000" dirty="0" smtClean="0"/>
+              <a:rPr lang="en-US" altLang="zh-CN" sz="900" baseline="-25000" dirty="0" smtClean="0"/>
               <a:t>3</a:t>
             </a:r>
-            <a:endParaRPr lang="zh-CN" altLang="en-US" sz="1100" baseline="-25000" dirty="0"/>
+            <a:endParaRPr lang="zh-CN" altLang="en-US" sz="900" baseline="-25000" dirty="0"/>
           </a:p>
         </p:txBody>
       </p:sp>
@@ -3889,14 +3894,14 @@
           <a:p>
             <a:pPr algn="ctr"/>
             <a:r>
-              <a:rPr lang="en-US" altLang="zh-CN" sz="1100" dirty="0" smtClean="0"/>
+              <a:rPr lang="en-US" altLang="zh-CN" sz="900" dirty="0" smtClean="0"/>
               <a:t>WG</a:t>
             </a:r>
             <a:r>
-              <a:rPr lang="en-US" altLang="zh-CN" sz="1100" baseline="-25000" dirty="0" smtClean="0"/>
+              <a:rPr lang="en-US" altLang="zh-CN" sz="900" baseline="-25000" dirty="0" smtClean="0"/>
               <a:t>2</a:t>
             </a:r>
-            <a:endParaRPr lang="zh-CN" altLang="en-US" sz="1100" baseline="-25000" dirty="0"/>
+            <a:endParaRPr lang="zh-CN" altLang="en-US" sz="900" baseline="-25000" dirty="0"/>
           </a:p>
         </p:txBody>
       </p:sp>
@@ -3945,14 +3950,14 @@
           <a:p>
             <a:pPr algn="ctr"/>
             <a:r>
-              <a:rPr lang="en-US" altLang="zh-CN" sz="1100" dirty="0" smtClean="0"/>
+              <a:rPr lang="en-US" altLang="zh-CN" sz="900" dirty="0" smtClean="0"/>
               <a:t>WG</a:t>
             </a:r>
             <a:r>
-              <a:rPr lang="en-US" altLang="zh-CN" sz="1100" baseline="-25000" dirty="0" smtClean="0"/>
+              <a:rPr lang="en-US" altLang="zh-CN" sz="900" baseline="-25000" dirty="0" smtClean="0"/>
               <a:t>1</a:t>
             </a:r>
-            <a:endParaRPr lang="zh-CN" altLang="en-US" sz="1100" baseline="-25000" dirty="0"/>
+            <a:endParaRPr lang="zh-CN" altLang="en-US" sz="900" baseline="-25000" dirty="0"/>
           </a:p>
         </p:txBody>
       </p:sp>
@@ -4001,14 +4006,14 @@
           <a:p>
             <a:pPr algn="ctr"/>
             <a:r>
-              <a:rPr lang="en-US" altLang="zh-CN" sz="1100" dirty="0" smtClean="0"/>
+              <a:rPr lang="en-US" altLang="zh-CN" sz="900" dirty="0" smtClean="0"/>
               <a:t>WG</a:t>
             </a:r>
             <a:r>
-              <a:rPr lang="en-US" altLang="zh-CN" sz="1100" baseline="-25000" dirty="0" smtClean="0"/>
+              <a:rPr lang="en-US" altLang="zh-CN" sz="900" baseline="-25000" dirty="0" smtClean="0"/>
               <a:t>0</a:t>
             </a:r>
-            <a:endParaRPr lang="zh-CN" altLang="en-US" sz="1100" baseline="-25000" dirty="0"/>
+            <a:endParaRPr lang="zh-CN" altLang="en-US" sz="900" baseline="-25000" dirty="0"/>
           </a:p>
         </p:txBody>
       </p:sp>
@@ -4057,14 +4062,14 @@
           <a:p>
             <a:pPr algn="ctr"/>
             <a:r>
-              <a:rPr lang="en-US" altLang="zh-CN" sz="1100" dirty="0" smtClean="0"/>
+              <a:rPr lang="en-US" altLang="zh-CN" sz="900" dirty="0" smtClean="0"/>
               <a:t>EB</a:t>
             </a:r>
             <a:r>
-              <a:rPr lang="en-US" altLang="zh-CN" sz="1100" baseline="-25000" dirty="0" smtClean="0"/>
+              <a:rPr lang="en-US" altLang="zh-CN" sz="900" baseline="-25000" dirty="0" smtClean="0"/>
               <a:t>3</a:t>
             </a:r>
-            <a:endParaRPr lang="zh-CN" altLang="en-US" sz="1100" baseline="-25000" dirty="0"/>
+            <a:endParaRPr lang="zh-CN" altLang="en-US" sz="900" baseline="-25000" dirty="0"/>
           </a:p>
         </p:txBody>
       </p:sp>
@@ -4113,14 +4118,14 @@
           <a:p>
             <a:pPr algn="ctr"/>
             <a:r>
-              <a:rPr lang="en-US" altLang="zh-CN" sz="1100" dirty="0" smtClean="0"/>
+              <a:rPr lang="en-US" altLang="zh-CN" sz="900" dirty="0" smtClean="0"/>
               <a:t>EB</a:t>
             </a:r>
             <a:r>
-              <a:rPr lang="en-US" altLang="zh-CN" sz="1100" baseline="-25000" dirty="0" smtClean="0"/>
+              <a:rPr lang="en-US" altLang="zh-CN" sz="900" baseline="-25000" dirty="0" smtClean="0"/>
               <a:t>2</a:t>
             </a:r>
-            <a:endParaRPr lang="zh-CN" altLang="en-US" sz="1100" baseline="-25000" dirty="0"/>
+            <a:endParaRPr lang="zh-CN" altLang="en-US" sz="900" baseline="-25000" dirty="0"/>
           </a:p>
         </p:txBody>
       </p:sp>
@@ -4169,14 +4174,14 @@
           <a:p>
             <a:pPr algn="ctr"/>
             <a:r>
-              <a:rPr lang="en-US" altLang="zh-CN" sz="1100" dirty="0" smtClean="0"/>
+              <a:rPr lang="en-US" altLang="zh-CN" sz="900" dirty="0" smtClean="0"/>
               <a:t>EB</a:t>
             </a:r>
             <a:r>
-              <a:rPr lang="en-US" altLang="zh-CN" sz="1100" baseline="-25000" dirty="0" smtClean="0"/>
+              <a:rPr lang="en-US" altLang="zh-CN" sz="900" baseline="-25000" dirty="0" smtClean="0"/>
               <a:t>1</a:t>
             </a:r>
-            <a:endParaRPr lang="zh-CN" altLang="en-US" sz="1100" baseline="-25000" dirty="0"/>
+            <a:endParaRPr lang="zh-CN" altLang="en-US" sz="900" baseline="-25000" dirty="0"/>
           </a:p>
         </p:txBody>
       </p:sp>
@@ -4229,14 +4234,14 @@
           <a:p>
             <a:pPr algn="ctr"/>
             <a:r>
-              <a:rPr lang="en-US" altLang="zh-CN" sz="1100" dirty="0" smtClean="0"/>
+              <a:rPr lang="en-US" altLang="zh-CN" sz="900" dirty="0" smtClean="0"/>
               <a:t>EB</a:t>
             </a:r>
             <a:r>
-              <a:rPr lang="en-US" altLang="zh-CN" sz="1100" baseline="-25000" dirty="0" smtClean="0"/>
+              <a:rPr lang="en-US" altLang="zh-CN" sz="900" baseline="-25000" dirty="0" smtClean="0"/>
               <a:t>0</a:t>
             </a:r>
-            <a:endParaRPr lang="zh-CN" altLang="en-US" sz="1100" baseline="-25000" dirty="0"/>
+            <a:endParaRPr lang="zh-CN" altLang="en-US" sz="900" baseline="-25000" dirty="0"/>
           </a:p>
         </p:txBody>
       </p:sp>
@@ -4283,7 +4288,7 @@
           <a:lstStyle/>
           <a:p>
             <a:pPr algn="ctr"/>
-            <a:endParaRPr lang="zh-CN" altLang="en-US"/>
+            <a:endParaRPr lang="zh-CN" altLang="en-US" sz="1600"/>
           </a:p>
         </p:txBody>
       </p:sp>
@@ -4330,7 +4335,7 @@
           <a:lstStyle/>
           <a:p>
             <a:pPr algn="ctr"/>
-            <a:endParaRPr lang="zh-CN" altLang="en-US"/>
+            <a:endParaRPr lang="zh-CN" altLang="en-US" sz="1600"/>
           </a:p>
         </p:txBody>
       </p:sp>
@@ -4377,7 +4382,7 @@
           <a:lstStyle/>
           <a:p>
             <a:pPr algn="ctr"/>
-            <a:endParaRPr lang="zh-CN" altLang="en-US"/>
+            <a:endParaRPr lang="zh-CN" altLang="en-US" sz="1600"/>
           </a:p>
         </p:txBody>
       </p:sp>
@@ -4623,7 +4628,7 @@
             <p:spPr>
               <a:xfrm>
                 <a:off x="1386075" y="1919157"/>
-                <a:ext cx="219354" cy="287066"/>
+                <a:ext cx="196016" cy="255134"/>
               </a:xfrm>
               <a:prstGeom prst="rect">
                 <a:avLst/>
@@ -4636,6 +4641,1192 @@
               </a:bodyPr>
               <a:lstStyle/>
               <a:p>
+                <a:pPr/>
+                <a14:m>
+                  <m:oMathPara xmlns:m="http://schemas.openxmlformats.org/officeDocument/2006/math">
+                    <m:oMathParaPr>
+                      <m:jc m:val="centerGroup"/>
+                    </m:oMathParaPr>
+                    <m:oMath xmlns:m="http://schemas.openxmlformats.org/officeDocument/2006/math">
+                      <m:f>
+                        <m:fPr>
+                          <m:ctrlPr>
+                            <a:rPr lang="en-US" altLang="zh-CN" sz="800" i="1" smtClean="0">
+                              <a:latin typeface="Cambria Math" panose="02040503050406030204" pitchFamily="18" charset="0"/>
+                            </a:rPr>
+                          </m:ctrlPr>
+                        </m:fPr>
+                        <m:num>
+                          <m:r>
+                            <a:rPr lang="zh-CN" altLang="en-US" sz="800" i="1" smtClean="0">
+                              <a:latin typeface="Cambria Math" panose="02040503050406030204" pitchFamily="18" charset="0"/>
+                            </a:rPr>
+                            <m:t>𝜕</m:t>
+                          </m:r>
+                          <m:r>
+                            <a:rPr lang="en-US" altLang="zh-CN" sz="800" b="0" i="1" smtClean="0">
+                              <a:latin typeface="Cambria Math" panose="02040503050406030204" pitchFamily="18" charset="0"/>
+                            </a:rPr>
+                            <m:t>𝐸</m:t>
+                          </m:r>
+                        </m:num>
+                        <m:den>
+                          <m:r>
+                            <a:rPr lang="zh-CN" altLang="en-US" sz="800" i="1" smtClean="0">
+                              <a:latin typeface="Cambria Math" panose="02040503050406030204" pitchFamily="18" charset="0"/>
+                            </a:rPr>
+                            <m:t>𝜕</m:t>
+                          </m:r>
+                          <m:sSub>
+                            <m:sSubPr>
+                              <m:ctrlPr>
+                                <a:rPr lang="en-US" altLang="zh-CN" sz="800" i="1" smtClean="0">
+                                  <a:latin typeface="Cambria Math" panose="02040503050406030204" pitchFamily="18" charset="0"/>
+                                </a:rPr>
+                              </m:ctrlPr>
+                            </m:sSubPr>
+                            <m:e>
+                              <m:r>
+                                <a:rPr lang="en-US" altLang="zh-CN" sz="800" b="1" i="1" smtClean="0">
+                                  <a:latin typeface="Cambria Math" panose="02040503050406030204" pitchFamily="18" charset="0"/>
+                                </a:rPr>
+                                <m:t>𝒚</m:t>
+                              </m:r>
+                            </m:e>
+                            <m:sub>
+                              <m:r>
+                                <a:rPr lang="en-US" altLang="zh-CN" sz="800" b="1" i="1" smtClean="0">
+                                  <a:latin typeface="Cambria Math" panose="02040503050406030204" pitchFamily="18" charset="0"/>
+                                </a:rPr>
+                                <m:t>𝟎</m:t>
+                              </m:r>
+                            </m:sub>
+                          </m:sSub>
+                        </m:den>
+                      </m:f>
+                    </m:oMath>
+                  </m:oMathPara>
+                </a14:m>
+                <a:endParaRPr lang="zh-CN" altLang="en-US" sz="800" dirty="0">
+                  <a:latin typeface="Times New Roman" panose="02020603050405020304" pitchFamily="18" charset="0"/>
+                  <a:cs typeface="Times New Roman" panose="02020603050405020304" pitchFamily="18" charset="0"/>
+                </a:endParaRPr>
+              </a:p>
+            </p:txBody>
+          </p:sp>
+        </mc:Choice>
+        <mc:Fallback>
+          <p:sp>
+            <p:nvSpPr>
+              <p:cNvPr id="122" name="文本框 121"/>
+              <p:cNvSpPr txBox="1">
+                <a:spLocks noRot="1" noChangeAspect="1" noMove="1" noResize="1" noEditPoints="1" noAdjustHandles="1" noChangeArrowheads="1" noChangeShapeType="1" noTextEdit="1"/>
+              </p:cNvSpPr>
+              <p:nvPr/>
+            </p:nvSpPr>
+            <p:spPr>
+              <a:xfrm>
+                <a:off x="1386075" y="1919157"/>
+                <a:ext cx="196016" cy="255134"/>
+              </a:xfrm>
+              <a:prstGeom prst="rect">
+                <a:avLst/>
+              </a:prstGeom>
+              <a:blipFill>
+                <a:blip r:embed="rId2"/>
+                <a:stretch>
+                  <a:fillRect l="-12121" t="-4762" r="-3030" b="-14286"/>
+                </a:stretch>
+              </a:blipFill>
+            </p:spPr>
+            <p:txBody>
+              <a:bodyPr/>
+              <a:lstStyle/>
+              <a:p>
+                <a:r>
+                  <a:rPr lang="zh-CN" altLang="en-US">
+                    <a:noFill/>
+                  </a:rPr>
+                  <a:t> </a:t>
+                </a:r>
+              </a:p>
+            </p:txBody>
+          </p:sp>
+        </mc:Fallback>
+      </mc:AlternateContent>
+      <mc:AlternateContent xmlns:mc="http://schemas.openxmlformats.org/markup-compatibility/2006">
+        <mc:Choice xmlns:a14="http://schemas.microsoft.com/office/drawing/2010/main" Requires="a14">
+          <p:sp>
+            <p:nvSpPr>
+              <p:cNvPr id="123" name="文本框 122"/>
+              <p:cNvSpPr txBox="1"/>
+              <p:nvPr/>
+            </p:nvSpPr>
+            <p:spPr>
+              <a:xfrm>
+                <a:off x="2013601" y="1919157"/>
+                <a:ext cx="196016" cy="255134"/>
+              </a:xfrm>
+              <a:prstGeom prst="rect">
+                <a:avLst/>
+              </a:prstGeom>
+              <a:noFill/>
+            </p:spPr>
+            <p:txBody>
+              <a:bodyPr wrap="none" lIns="0" tIns="0" rIns="0" bIns="0" rtlCol="0">
+                <a:spAutoFit/>
+              </a:bodyPr>
+              <a:lstStyle/>
+              <a:p>
+                <a:pPr/>
+                <a14:m>
+                  <m:oMathPara xmlns:m="http://schemas.openxmlformats.org/officeDocument/2006/math">
+                    <m:oMathParaPr>
+                      <m:jc m:val="centerGroup"/>
+                    </m:oMathParaPr>
+                    <m:oMath xmlns:m="http://schemas.openxmlformats.org/officeDocument/2006/math">
+                      <m:f>
+                        <m:fPr>
+                          <m:ctrlPr>
+                            <a:rPr lang="en-US" altLang="zh-CN" sz="800" i="1" smtClean="0">
+                              <a:latin typeface="Cambria Math" panose="02040503050406030204" pitchFamily="18" charset="0"/>
+                            </a:rPr>
+                          </m:ctrlPr>
+                        </m:fPr>
+                        <m:num>
+                          <m:r>
+                            <a:rPr lang="zh-CN" altLang="en-US" sz="800" i="1" smtClean="0">
+                              <a:latin typeface="Cambria Math" panose="02040503050406030204" pitchFamily="18" charset="0"/>
+                            </a:rPr>
+                            <m:t>𝜕</m:t>
+                          </m:r>
+                          <m:r>
+                            <a:rPr lang="en-US" altLang="zh-CN" sz="800" b="0" i="1" smtClean="0">
+                              <a:latin typeface="Cambria Math" panose="02040503050406030204" pitchFamily="18" charset="0"/>
+                            </a:rPr>
+                            <m:t>𝐸</m:t>
+                          </m:r>
+                        </m:num>
+                        <m:den>
+                          <m:r>
+                            <a:rPr lang="zh-CN" altLang="en-US" sz="800" i="1" smtClean="0">
+                              <a:latin typeface="Cambria Math" panose="02040503050406030204" pitchFamily="18" charset="0"/>
+                            </a:rPr>
+                            <m:t>𝜕</m:t>
+                          </m:r>
+                          <m:sSub>
+                            <m:sSubPr>
+                              <m:ctrlPr>
+                                <a:rPr lang="en-US" altLang="zh-CN" sz="800" i="1" smtClean="0">
+                                  <a:latin typeface="Cambria Math" panose="02040503050406030204" pitchFamily="18" charset="0"/>
+                                </a:rPr>
+                              </m:ctrlPr>
+                            </m:sSubPr>
+                            <m:e>
+                              <m:r>
+                                <a:rPr lang="en-US" altLang="zh-CN" sz="800" b="1" i="1" smtClean="0">
+                                  <a:latin typeface="Cambria Math" panose="02040503050406030204" pitchFamily="18" charset="0"/>
+                                </a:rPr>
+                                <m:t>𝒚</m:t>
+                              </m:r>
+                            </m:e>
+                            <m:sub>
+                              <m:r>
+                                <a:rPr lang="en-US" altLang="zh-CN" sz="800" b="1" i="1" smtClean="0">
+                                  <a:latin typeface="Cambria Math" panose="02040503050406030204" pitchFamily="18" charset="0"/>
+                                </a:rPr>
+                                <m:t>𝟏</m:t>
+                              </m:r>
+                            </m:sub>
+                          </m:sSub>
+                        </m:den>
+                      </m:f>
+                    </m:oMath>
+                  </m:oMathPara>
+                </a14:m>
+                <a:endParaRPr lang="zh-CN" altLang="en-US" sz="800" dirty="0">
+                  <a:latin typeface="Times New Roman" panose="02020603050405020304" pitchFamily="18" charset="0"/>
+                  <a:cs typeface="Times New Roman" panose="02020603050405020304" pitchFamily="18" charset="0"/>
+                </a:endParaRPr>
+              </a:p>
+            </p:txBody>
+          </p:sp>
+        </mc:Choice>
+        <mc:Fallback>
+          <p:sp>
+            <p:nvSpPr>
+              <p:cNvPr id="123" name="文本框 122"/>
+              <p:cNvSpPr txBox="1">
+                <a:spLocks noRot="1" noChangeAspect="1" noMove="1" noResize="1" noEditPoints="1" noAdjustHandles="1" noChangeArrowheads="1" noChangeShapeType="1" noTextEdit="1"/>
+              </p:cNvSpPr>
+              <p:nvPr/>
+            </p:nvSpPr>
+            <p:spPr>
+              <a:xfrm>
+                <a:off x="2013601" y="1919157"/>
+                <a:ext cx="196016" cy="255134"/>
+              </a:xfrm>
+              <a:prstGeom prst="rect">
+                <a:avLst/>
+              </a:prstGeom>
+              <a:blipFill>
+                <a:blip r:embed="rId3"/>
+                <a:stretch>
+                  <a:fillRect l="-12500" t="-4762" r="-6250" b="-14286"/>
+                </a:stretch>
+              </a:blipFill>
+            </p:spPr>
+            <p:txBody>
+              <a:bodyPr/>
+              <a:lstStyle/>
+              <a:p>
+                <a:r>
+                  <a:rPr lang="zh-CN" altLang="en-US">
+                    <a:noFill/>
+                  </a:rPr>
+                  <a:t> </a:t>
+                </a:r>
+              </a:p>
+            </p:txBody>
+          </p:sp>
+        </mc:Fallback>
+      </mc:AlternateContent>
+      <mc:AlternateContent xmlns:mc="http://schemas.openxmlformats.org/markup-compatibility/2006">
+        <mc:Choice xmlns:a14="http://schemas.microsoft.com/office/drawing/2010/main" Requires="a14">
+          <p:sp>
+            <p:nvSpPr>
+              <p:cNvPr id="124" name="文本框 123"/>
+              <p:cNvSpPr txBox="1"/>
+              <p:nvPr/>
+            </p:nvSpPr>
+            <p:spPr>
+              <a:xfrm>
+                <a:off x="2641127" y="1919157"/>
+                <a:ext cx="196016" cy="255134"/>
+              </a:xfrm>
+              <a:prstGeom prst="rect">
+                <a:avLst/>
+              </a:prstGeom>
+              <a:noFill/>
+            </p:spPr>
+            <p:txBody>
+              <a:bodyPr wrap="none" lIns="0" tIns="0" rIns="0" bIns="0" rtlCol="0">
+                <a:spAutoFit/>
+              </a:bodyPr>
+              <a:lstStyle/>
+              <a:p>
+                <a:pPr/>
+                <a14:m>
+                  <m:oMathPara xmlns:m="http://schemas.openxmlformats.org/officeDocument/2006/math">
+                    <m:oMathParaPr>
+                      <m:jc m:val="centerGroup"/>
+                    </m:oMathParaPr>
+                    <m:oMath xmlns:m="http://schemas.openxmlformats.org/officeDocument/2006/math">
+                      <m:f>
+                        <m:fPr>
+                          <m:ctrlPr>
+                            <a:rPr lang="en-US" altLang="zh-CN" sz="800" i="1" smtClean="0">
+                              <a:latin typeface="Cambria Math" panose="02040503050406030204" pitchFamily="18" charset="0"/>
+                            </a:rPr>
+                          </m:ctrlPr>
+                        </m:fPr>
+                        <m:num>
+                          <m:r>
+                            <a:rPr lang="zh-CN" altLang="en-US" sz="800" i="1" smtClean="0">
+                              <a:latin typeface="Cambria Math" panose="02040503050406030204" pitchFamily="18" charset="0"/>
+                            </a:rPr>
+                            <m:t>𝜕</m:t>
+                          </m:r>
+                          <m:r>
+                            <a:rPr lang="en-US" altLang="zh-CN" sz="800" b="0" i="1" smtClean="0">
+                              <a:latin typeface="Cambria Math" panose="02040503050406030204" pitchFamily="18" charset="0"/>
+                            </a:rPr>
+                            <m:t>𝐸</m:t>
+                          </m:r>
+                        </m:num>
+                        <m:den>
+                          <m:r>
+                            <a:rPr lang="zh-CN" altLang="en-US" sz="800" i="1" smtClean="0">
+                              <a:latin typeface="Cambria Math" panose="02040503050406030204" pitchFamily="18" charset="0"/>
+                            </a:rPr>
+                            <m:t>𝜕</m:t>
+                          </m:r>
+                          <m:sSub>
+                            <m:sSubPr>
+                              <m:ctrlPr>
+                                <a:rPr lang="en-US" altLang="zh-CN" sz="800" i="1" smtClean="0">
+                                  <a:latin typeface="Cambria Math" panose="02040503050406030204" pitchFamily="18" charset="0"/>
+                                </a:rPr>
+                              </m:ctrlPr>
+                            </m:sSubPr>
+                            <m:e>
+                              <m:r>
+                                <a:rPr lang="en-US" altLang="zh-CN" sz="800" b="1" i="1" smtClean="0">
+                                  <a:latin typeface="Cambria Math" panose="02040503050406030204" pitchFamily="18" charset="0"/>
+                                </a:rPr>
+                                <m:t>𝒚</m:t>
+                              </m:r>
+                            </m:e>
+                            <m:sub>
+                              <m:r>
+                                <a:rPr lang="en-US" altLang="zh-CN" sz="800" b="1" i="1" smtClean="0">
+                                  <a:latin typeface="Cambria Math" panose="02040503050406030204" pitchFamily="18" charset="0"/>
+                                </a:rPr>
+                                <m:t>𝟐</m:t>
+                              </m:r>
+                            </m:sub>
+                          </m:sSub>
+                        </m:den>
+                      </m:f>
+                    </m:oMath>
+                  </m:oMathPara>
+                </a14:m>
+                <a:endParaRPr lang="zh-CN" altLang="en-US" sz="800" dirty="0">
+                  <a:latin typeface="Times New Roman" panose="02020603050405020304" pitchFamily="18" charset="0"/>
+                  <a:cs typeface="Times New Roman" panose="02020603050405020304" pitchFamily="18" charset="0"/>
+                </a:endParaRPr>
+              </a:p>
+            </p:txBody>
+          </p:sp>
+        </mc:Choice>
+        <mc:Fallback>
+          <p:sp>
+            <p:nvSpPr>
+              <p:cNvPr id="124" name="文本框 123"/>
+              <p:cNvSpPr txBox="1">
+                <a:spLocks noRot="1" noChangeAspect="1" noMove="1" noResize="1" noEditPoints="1" noAdjustHandles="1" noChangeArrowheads="1" noChangeShapeType="1" noTextEdit="1"/>
+              </p:cNvSpPr>
+              <p:nvPr/>
+            </p:nvSpPr>
+            <p:spPr>
+              <a:xfrm>
+                <a:off x="2641127" y="1919157"/>
+                <a:ext cx="196016" cy="255134"/>
+              </a:xfrm>
+              <a:prstGeom prst="rect">
+                <a:avLst/>
+              </a:prstGeom>
+              <a:blipFill>
+                <a:blip r:embed="rId4"/>
+                <a:stretch>
+                  <a:fillRect l="-12500" t="-4762" r="-6250" b="-14286"/>
+                </a:stretch>
+              </a:blipFill>
+            </p:spPr>
+            <p:txBody>
+              <a:bodyPr/>
+              <a:lstStyle/>
+              <a:p>
+                <a:r>
+                  <a:rPr lang="zh-CN" altLang="en-US">
+                    <a:noFill/>
+                  </a:rPr>
+                  <a:t> </a:t>
+                </a:r>
+              </a:p>
+            </p:txBody>
+          </p:sp>
+        </mc:Fallback>
+      </mc:AlternateContent>
+      <mc:AlternateContent xmlns:mc="http://schemas.openxmlformats.org/markup-compatibility/2006">
+        <mc:Choice xmlns:a14="http://schemas.microsoft.com/office/drawing/2010/main" Requires="a14">
+          <p:sp>
+            <p:nvSpPr>
+              <p:cNvPr id="125" name="文本框 124"/>
+              <p:cNvSpPr txBox="1"/>
+              <p:nvPr/>
+            </p:nvSpPr>
+            <p:spPr>
+              <a:xfrm>
+                <a:off x="3445846" y="2097264"/>
+                <a:ext cx="196016" cy="255134"/>
+              </a:xfrm>
+              <a:prstGeom prst="rect">
+                <a:avLst/>
+              </a:prstGeom>
+              <a:noFill/>
+            </p:spPr>
+            <p:txBody>
+              <a:bodyPr wrap="none" lIns="0" tIns="0" rIns="0" bIns="0" rtlCol="0">
+                <a:spAutoFit/>
+              </a:bodyPr>
+              <a:lstStyle/>
+              <a:p>
+                <a:pPr/>
+                <a14:m>
+                  <m:oMathPara xmlns:m="http://schemas.openxmlformats.org/officeDocument/2006/math">
+                    <m:oMathParaPr>
+                      <m:jc m:val="centerGroup"/>
+                    </m:oMathParaPr>
+                    <m:oMath xmlns:m="http://schemas.openxmlformats.org/officeDocument/2006/math">
+                      <m:f>
+                        <m:fPr>
+                          <m:ctrlPr>
+                            <a:rPr lang="en-US" altLang="zh-CN" sz="800" i="1" smtClean="0">
+                              <a:latin typeface="Cambria Math" panose="02040503050406030204" pitchFamily="18" charset="0"/>
+                            </a:rPr>
+                          </m:ctrlPr>
+                        </m:fPr>
+                        <m:num>
+                          <m:r>
+                            <a:rPr lang="zh-CN" altLang="en-US" sz="800" i="1" smtClean="0">
+                              <a:latin typeface="Cambria Math" panose="02040503050406030204" pitchFamily="18" charset="0"/>
+                            </a:rPr>
+                            <m:t>𝜕</m:t>
+                          </m:r>
+                          <m:r>
+                            <a:rPr lang="en-US" altLang="zh-CN" sz="800" b="0" i="1" smtClean="0">
+                              <a:latin typeface="Cambria Math" panose="02040503050406030204" pitchFamily="18" charset="0"/>
+                            </a:rPr>
+                            <m:t>𝐸</m:t>
+                          </m:r>
+                        </m:num>
+                        <m:den>
+                          <m:r>
+                            <a:rPr lang="zh-CN" altLang="en-US" sz="800" i="1" smtClean="0">
+                              <a:latin typeface="Cambria Math" panose="02040503050406030204" pitchFamily="18" charset="0"/>
+                            </a:rPr>
+                            <m:t>𝜕</m:t>
+                          </m:r>
+                          <m:sSub>
+                            <m:sSubPr>
+                              <m:ctrlPr>
+                                <a:rPr lang="en-US" altLang="zh-CN" sz="800" i="1" smtClean="0">
+                                  <a:latin typeface="Cambria Math" panose="02040503050406030204" pitchFamily="18" charset="0"/>
+                                </a:rPr>
+                              </m:ctrlPr>
+                            </m:sSubPr>
+                            <m:e>
+                              <m:r>
+                                <a:rPr lang="en-US" altLang="zh-CN" sz="800" b="1" i="1" smtClean="0">
+                                  <a:latin typeface="Cambria Math" panose="02040503050406030204" pitchFamily="18" charset="0"/>
+                                </a:rPr>
+                                <m:t>𝒚</m:t>
+                              </m:r>
+                            </m:e>
+                            <m:sub>
+                              <m:r>
+                                <a:rPr lang="en-US" altLang="zh-CN" sz="800" b="1" i="1" smtClean="0">
+                                  <a:latin typeface="Cambria Math" panose="02040503050406030204" pitchFamily="18" charset="0"/>
+                                </a:rPr>
+                                <m:t>𝟑</m:t>
+                              </m:r>
+                            </m:sub>
+                          </m:sSub>
+                        </m:den>
+                      </m:f>
+                    </m:oMath>
+                  </m:oMathPara>
+                </a14:m>
+                <a:endParaRPr lang="zh-CN" altLang="en-US" sz="800" dirty="0">
+                  <a:latin typeface="Times New Roman" panose="02020603050405020304" pitchFamily="18" charset="0"/>
+                  <a:cs typeface="Times New Roman" panose="02020603050405020304" pitchFamily="18" charset="0"/>
+                </a:endParaRPr>
+              </a:p>
+            </p:txBody>
+          </p:sp>
+        </mc:Choice>
+        <mc:Fallback>
+          <p:sp>
+            <p:nvSpPr>
+              <p:cNvPr id="125" name="文本框 124"/>
+              <p:cNvSpPr txBox="1">
+                <a:spLocks noRot="1" noChangeAspect="1" noMove="1" noResize="1" noEditPoints="1" noAdjustHandles="1" noChangeArrowheads="1" noChangeShapeType="1" noTextEdit="1"/>
+              </p:cNvSpPr>
+              <p:nvPr/>
+            </p:nvSpPr>
+            <p:spPr>
+              <a:xfrm>
+                <a:off x="3445846" y="2097264"/>
+                <a:ext cx="196016" cy="255134"/>
+              </a:xfrm>
+              <a:prstGeom prst="rect">
+                <a:avLst/>
+              </a:prstGeom>
+              <a:blipFill>
+                <a:blip r:embed="rId5"/>
+                <a:stretch>
+                  <a:fillRect l="-12500" t="-2381" r="-6250" b="-16667"/>
+                </a:stretch>
+              </a:blipFill>
+            </p:spPr>
+            <p:txBody>
+              <a:bodyPr/>
+              <a:lstStyle/>
+              <a:p>
+                <a:r>
+                  <a:rPr lang="zh-CN" altLang="en-US">
+                    <a:noFill/>
+                  </a:rPr>
+                  <a:t> </a:t>
+                </a:r>
+              </a:p>
+            </p:txBody>
+          </p:sp>
+        </mc:Fallback>
+      </mc:AlternateContent>
+      <p:cxnSp>
+        <p:nvCxnSpPr>
+          <p:cNvPr id="126" name="直接箭头连接符 125"/>
+          <p:cNvCxnSpPr/>
+          <p:nvPr/>
+        </p:nvCxnSpPr>
+        <p:spPr>
+          <a:xfrm flipH="1">
+            <a:off x="3253848" y="2240797"/>
+            <a:ext cx="191998" cy="0"/>
+          </a:xfrm>
+          <a:prstGeom prst="straightConnector1">
+            <a:avLst/>
+          </a:prstGeom>
+          <a:ln w="12700">
+            <a:solidFill>
+              <a:srgbClr val="525252"/>
+            </a:solidFill>
+            <a:tailEnd type="triangle" w="sm" len="med"/>
+          </a:ln>
+        </p:spPr>
+        <p:style>
+          <a:lnRef idx="1">
+            <a:schemeClr val="accent1"/>
+          </a:lnRef>
+          <a:fillRef idx="0">
+            <a:schemeClr val="accent1"/>
+          </a:fillRef>
+          <a:effectRef idx="0">
+            <a:schemeClr val="accent1"/>
+          </a:effectRef>
+          <a:fontRef idx="minor">
+            <a:schemeClr val="tx1"/>
+          </a:fontRef>
+        </p:style>
+      </p:cxnSp>
+      <p:cxnSp>
+        <p:nvCxnSpPr>
+          <p:cNvPr id="128" name="直接箭头连接符 127"/>
+          <p:cNvCxnSpPr/>
+          <p:nvPr/>
+        </p:nvCxnSpPr>
+        <p:spPr>
+          <a:xfrm>
+            <a:off x="3214043" y="1385246"/>
+            <a:ext cx="191115" cy="0"/>
+          </a:xfrm>
+          <a:prstGeom prst="straightConnector1">
+            <a:avLst/>
+          </a:prstGeom>
+          <a:ln w="12700">
+            <a:solidFill>
+              <a:srgbClr val="525252"/>
+            </a:solidFill>
+            <a:tailEnd type="triangle" w="sm" len="med"/>
+          </a:ln>
+        </p:spPr>
+        <p:style>
+          <a:lnRef idx="1">
+            <a:schemeClr val="accent1"/>
+          </a:lnRef>
+          <a:fillRef idx="0">
+            <a:schemeClr val="accent1"/>
+          </a:fillRef>
+          <a:effectRef idx="0">
+            <a:schemeClr val="accent1"/>
+          </a:effectRef>
+          <a:fontRef idx="minor">
+            <a:schemeClr val="tx1"/>
+          </a:fontRef>
+        </p:style>
+      </p:cxnSp>
+      <p:sp>
+        <p:nvSpPr>
+          <p:cNvPr id="131" name="文本框 130"/>
+          <p:cNvSpPr txBox="1"/>
+          <p:nvPr/>
+        </p:nvSpPr>
+        <p:spPr>
+          <a:xfrm>
+            <a:off x="3429685" y="1657373"/>
+            <a:ext cx="262896" cy="230832"/>
+          </a:xfrm>
+          <a:prstGeom prst="rect">
+            <a:avLst/>
+          </a:prstGeom>
+          <a:noFill/>
+        </p:spPr>
+        <p:txBody>
+          <a:bodyPr wrap="square" rtlCol="0" anchor="ctr">
+            <a:spAutoFit/>
+          </a:bodyPr>
+          <a:lstStyle/>
+          <a:p>
+            <a:r>
+              <a:rPr lang="en-US" altLang="zh-CN" sz="900" dirty="0" smtClean="0">
+                <a:latin typeface="Cambria Math" panose="02040503050406030204" pitchFamily="18" charset="0"/>
+                <a:ea typeface="Cambria Math" panose="02040503050406030204" pitchFamily="18" charset="0"/>
+                <a:cs typeface="Times New Roman" panose="02020603050405020304" pitchFamily="18" charset="0"/>
+              </a:rPr>
+              <a:t>E</a:t>
+            </a:r>
+            <a:endParaRPr lang="zh-CN" altLang="en-US" sz="900" baseline="-25000" dirty="0">
+              <a:latin typeface="Cambria Math" panose="02040503050406030204" pitchFamily="18" charset="0"/>
+              <a:cs typeface="Times New Roman" panose="02020603050405020304" pitchFamily="18" charset="0"/>
+            </a:endParaRPr>
+          </a:p>
+        </p:txBody>
+      </p:sp>
+      <p:cxnSp>
+        <p:nvCxnSpPr>
+          <p:cNvPr id="136" name="直接箭头连接符 135"/>
+          <p:cNvCxnSpPr/>
+          <p:nvPr/>
+        </p:nvCxnSpPr>
+        <p:spPr>
+          <a:xfrm>
+            <a:off x="3555523" y="1470099"/>
+            <a:ext cx="0" cy="207630"/>
+          </a:xfrm>
+          <a:prstGeom prst="straightConnector1">
+            <a:avLst/>
+          </a:prstGeom>
+          <a:ln w="12700">
+            <a:solidFill>
+              <a:srgbClr val="525252"/>
+            </a:solidFill>
+            <a:tailEnd type="triangle" w="sm" len="med"/>
+          </a:ln>
+        </p:spPr>
+        <p:style>
+          <a:lnRef idx="1">
+            <a:schemeClr val="accent1"/>
+          </a:lnRef>
+          <a:fillRef idx="0">
+            <a:schemeClr val="accent1"/>
+          </a:fillRef>
+          <a:effectRef idx="0">
+            <a:schemeClr val="accent1"/>
+          </a:effectRef>
+          <a:fontRef idx="minor">
+            <a:schemeClr val="tx1"/>
+          </a:fontRef>
+        </p:style>
+      </p:cxnSp>
+      <p:cxnSp>
+        <p:nvCxnSpPr>
+          <p:cNvPr id="137" name="直接箭头连接符 136"/>
+          <p:cNvCxnSpPr/>
+          <p:nvPr/>
+        </p:nvCxnSpPr>
+        <p:spPr>
+          <a:xfrm>
+            <a:off x="3555523" y="1878122"/>
+            <a:ext cx="0" cy="207630"/>
+          </a:xfrm>
+          <a:prstGeom prst="straightConnector1">
+            <a:avLst/>
+          </a:prstGeom>
+          <a:ln w="12700">
+            <a:solidFill>
+              <a:srgbClr val="525252"/>
+            </a:solidFill>
+            <a:tailEnd type="triangle" w="sm" len="med"/>
+          </a:ln>
+        </p:spPr>
+        <p:style>
+          <a:lnRef idx="1">
+            <a:schemeClr val="accent1"/>
+          </a:lnRef>
+          <a:fillRef idx="0">
+            <a:schemeClr val="accent1"/>
+          </a:fillRef>
+          <a:effectRef idx="0">
+            <a:schemeClr val="accent1"/>
+          </a:effectRef>
+          <a:fontRef idx="minor">
+            <a:schemeClr val="tx1"/>
+          </a:fontRef>
+        </p:style>
+      </p:cxnSp>
+      <p:cxnSp>
+        <p:nvCxnSpPr>
+          <p:cNvPr id="141" name="直接箭头连接符 140"/>
+          <p:cNvCxnSpPr/>
+          <p:nvPr/>
+        </p:nvCxnSpPr>
+        <p:spPr>
+          <a:xfrm>
+            <a:off x="832466" y="1385246"/>
+            <a:ext cx="191115" cy="0"/>
+          </a:xfrm>
+          <a:prstGeom prst="straightConnector1">
+            <a:avLst/>
+          </a:prstGeom>
+          <a:ln w="12700">
+            <a:solidFill>
+              <a:srgbClr val="525252"/>
+            </a:solidFill>
+            <a:tailEnd type="triangle" w="sm" len="med"/>
+          </a:ln>
+        </p:spPr>
+        <p:style>
+          <a:lnRef idx="1">
+            <a:schemeClr val="accent1"/>
+          </a:lnRef>
+          <a:fillRef idx="0">
+            <a:schemeClr val="accent1"/>
+          </a:fillRef>
+          <a:effectRef idx="0">
+            <a:schemeClr val="accent1"/>
+          </a:effectRef>
+          <a:fontRef idx="minor">
+            <a:schemeClr val="tx1"/>
+          </a:fontRef>
+        </p:style>
+      </p:cxnSp>
+      <p:cxnSp>
+        <p:nvCxnSpPr>
+          <p:cNvPr id="142" name="直接箭头连接符 141"/>
+          <p:cNvCxnSpPr>
+            <a:stCxn id="84" idx="2"/>
+          </p:cNvCxnSpPr>
+          <p:nvPr/>
+        </p:nvCxnSpPr>
+        <p:spPr>
+          <a:xfrm>
+            <a:off x="753262" y="1491845"/>
+            <a:ext cx="234016" cy="331434"/>
+          </a:xfrm>
+          <a:prstGeom prst="straightConnector1">
+            <a:avLst/>
+          </a:prstGeom>
+          <a:ln w="12700">
+            <a:solidFill>
+              <a:srgbClr val="525252"/>
+            </a:solidFill>
+            <a:tailEnd type="triangle" w="sm" len="med"/>
+          </a:ln>
+        </p:spPr>
+        <p:style>
+          <a:lnRef idx="1">
+            <a:schemeClr val="accent1"/>
+          </a:lnRef>
+          <a:fillRef idx="0">
+            <a:schemeClr val="accent1"/>
+          </a:fillRef>
+          <a:effectRef idx="0">
+            <a:schemeClr val="accent1"/>
+          </a:effectRef>
+          <a:fontRef idx="minor">
+            <a:schemeClr val="tx1"/>
+          </a:fontRef>
+        </p:style>
+      </p:cxnSp>
+      <p:sp>
+        <p:nvSpPr>
+          <p:cNvPr id="145" name="矩形 144"/>
+          <p:cNvSpPr/>
+          <p:nvPr/>
+        </p:nvSpPr>
+        <p:spPr>
+          <a:xfrm>
+            <a:off x="683525" y="2849478"/>
+            <a:ext cx="300249" cy="176693"/>
+          </a:xfrm>
+          <a:prstGeom prst="rect">
+            <a:avLst/>
+          </a:prstGeom>
+          <a:solidFill>
+            <a:srgbClr val="B4009E"/>
+          </a:solidFill>
+          <a:ln>
+            <a:solidFill>
+              <a:srgbClr val="5C005C"/>
+            </a:solidFill>
+          </a:ln>
+        </p:spPr>
+        <p:style>
+          <a:lnRef idx="2">
+            <a:schemeClr val="accent1">
+              <a:shade val="50000"/>
+            </a:schemeClr>
+          </a:lnRef>
+          <a:fillRef idx="1">
+            <a:schemeClr val="accent1"/>
+          </a:fillRef>
+          <a:effectRef idx="0">
+            <a:schemeClr val="accent1"/>
+          </a:effectRef>
+          <a:fontRef idx="minor">
+            <a:schemeClr val="lt1"/>
+          </a:fontRef>
+        </p:style>
+        <p:txBody>
+          <a:bodyPr lIns="0" tIns="0" rIns="0" bIns="0" rtlCol="0" anchor="ctr"/>
+          <a:lstStyle/>
+          <a:p>
+            <a:pPr algn="ctr"/>
+            <a:r>
+              <a:rPr lang="en-US" altLang="zh-CN" sz="900" dirty="0" err="1" smtClean="0"/>
+              <a:t>FP</a:t>
+            </a:r>
+            <a:r>
+              <a:rPr lang="en-US" altLang="zh-CN" sz="900" baseline="-25000" dirty="0" err="1" smtClean="0"/>
+              <a:t>i</a:t>
+            </a:r>
+            <a:endParaRPr lang="zh-CN" altLang="en-US" sz="900" baseline="-25000" dirty="0"/>
+          </a:p>
+        </p:txBody>
+      </p:sp>
+      <p:sp>
+        <p:nvSpPr>
+          <p:cNvPr id="146" name="矩形 145"/>
+          <p:cNvSpPr/>
+          <p:nvPr/>
+        </p:nvSpPr>
+        <p:spPr>
+          <a:xfrm>
+            <a:off x="683525" y="3266997"/>
+            <a:ext cx="300249" cy="176693"/>
+          </a:xfrm>
+          <a:prstGeom prst="rect">
+            <a:avLst/>
+          </a:prstGeom>
+          <a:solidFill>
+            <a:srgbClr val="00BCF2"/>
+          </a:solidFill>
+          <a:ln>
+            <a:solidFill>
+              <a:srgbClr val="0078D7"/>
+            </a:solidFill>
+          </a:ln>
+        </p:spPr>
+        <p:style>
+          <a:lnRef idx="2">
+            <a:schemeClr val="accent1">
+              <a:shade val="50000"/>
+            </a:schemeClr>
+          </a:lnRef>
+          <a:fillRef idx="1">
+            <a:schemeClr val="accent1"/>
+          </a:fillRef>
+          <a:effectRef idx="0">
+            <a:schemeClr val="accent1"/>
+          </a:effectRef>
+          <a:fontRef idx="minor">
+            <a:schemeClr val="lt1"/>
+          </a:fontRef>
+        </p:style>
+        <p:txBody>
+          <a:bodyPr lIns="0" tIns="0" rIns="0" bIns="0" rtlCol="0" anchor="ctr"/>
+          <a:lstStyle/>
+          <a:p>
+            <a:pPr algn="ctr"/>
+            <a:r>
+              <a:rPr lang="en-US" altLang="zh-CN" sz="900" dirty="0" err="1" smtClean="0"/>
+              <a:t>WG</a:t>
+            </a:r>
+            <a:r>
+              <a:rPr lang="en-US" altLang="zh-CN" sz="900" baseline="-25000" dirty="0" err="1" smtClean="0"/>
+              <a:t>i</a:t>
+            </a:r>
+            <a:endParaRPr lang="zh-CN" altLang="en-US" sz="900" baseline="-25000" dirty="0"/>
+          </a:p>
+        </p:txBody>
+      </p:sp>
+      <p:sp>
+        <p:nvSpPr>
+          <p:cNvPr id="147" name="矩形 146"/>
+          <p:cNvSpPr/>
+          <p:nvPr/>
+        </p:nvSpPr>
+        <p:spPr>
+          <a:xfrm>
+            <a:off x="2164359" y="2843547"/>
+            <a:ext cx="300249" cy="176694"/>
+          </a:xfrm>
+          <a:prstGeom prst="rect">
+            <a:avLst/>
+          </a:prstGeom>
+          <a:solidFill>
+            <a:srgbClr val="00B294"/>
+          </a:solidFill>
+          <a:ln>
+            <a:solidFill>
+              <a:srgbClr val="004B50"/>
+            </a:solidFill>
+          </a:ln>
+        </p:spPr>
+        <p:style>
+          <a:lnRef idx="2">
+            <a:schemeClr val="accent1">
+              <a:shade val="50000"/>
+            </a:schemeClr>
+          </a:lnRef>
+          <a:fillRef idx="1">
+            <a:schemeClr val="accent1"/>
+          </a:fillRef>
+          <a:effectRef idx="0">
+            <a:schemeClr val="accent1"/>
+          </a:effectRef>
+          <a:fontRef idx="minor">
+            <a:schemeClr val="lt1"/>
+          </a:fontRef>
+        </p:style>
+        <p:txBody>
+          <a:bodyPr lIns="0" tIns="0" rIns="0" bIns="0" rtlCol="0" anchor="ctr"/>
+          <a:lstStyle/>
+          <a:p>
+            <a:pPr algn="ctr"/>
+            <a:r>
+              <a:rPr lang="en-US" altLang="zh-CN" sz="900" dirty="0" err="1" smtClean="0"/>
+              <a:t>EB</a:t>
+            </a:r>
+            <a:r>
+              <a:rPr lang="en-US" altLang="zh-CN" sz="900" baseline="-25000" dirty="0" err="1" smtClean="0"/>
+              <a:t>i</a:t>
+            </a:r>
+            <a:endParaRPr lang="zh-CN" altLang="en-US" sz="900" baseline="-25000" dirty="0"/>
+          </a:p>
+        </p:txBody>
+      </p:sp>
+      <mc:AlternateContent xmlns:mc="http://schemas.openxmlformats.org/markup-compatibility/2006">
+        <mc:Choice xmlns:a14="http://schemas.microsoft.com/office/drawing/2010/main" Requires="a14">
+          <p:sp>
+            <p:nvSpPr>
+              <p:cNvPr id="151" name="文本框 150"/>
+              <p:cNvSpPr txBox="1"/>
+              <p:nvPr/>
+            </p:nvSpPr>
+            <p:spPr>
+              <a:xfrm>
+                <a:off x="1069496" y="2857646"/>
+                <a:ext cx="850874" cy="138499"/>
+              </a:xfrm>
+              <a:prstGeom prst="rect">
+                <a:avLst/>
+              </a:prstGeom>
+              <a:noFill/>
+            </p:spPr>
+            <p:txBody>
+              <a:bodyPr wrap="none" lIns="0" tIns="0" rIns="0" bIns="0" rtlCol="0">
+                <a:spAutoFit/>
+              </a:bodyPr>
+              <a:lstStyle/>
+              <a:p>
+                <a:pPr/>
+                <a14:m>
+                  <m:oMathPara xmlns:m="http://schemas.openxmlformats.org/officeDocument/2006/math">
+                    <m:oMathParaPr>
+                      <m:jc m:val="centerGroup"/>
+                    </m:oMathParaPr>
+                    <m:oMath xmlns:m="http://schemas.openxmlformats.org/officeDocument/2006/math">
+                      <m:sSub>
+                        <m:sSubPr>
+                          <m:ctrlPr>
+                            <a:rPr lang="en-US" altLang="zh-CN" sz="900" b="1" i="1" smtClean="0">
+                              <a:latin typeface="Cambria Math" panose="02040503050406030204" pitchFamily="18" charset="0"/>
+                            </a:rPr>
+                          </m:ctrlPr>
+                        </m:sSubPr>
+                        <m:e>
+                          <m:r>
+                            <a:rPr lang="en-US" altLang="zh-CN" sz="900" b="1" i="1" smtClean="0">
+                              <a:latin typeface="Cambria Math" panose="02040503050406030204" pitchFamily="18" charset="0"/>
+                            </a:rPr>
+                            <m:t>𝒚</m:t>
+                          </m:r>
+                        </m:e>
+                        <m:sub>
+                          <m:r>
+                            <a:rPr lang="en-US" altLang="zh-CN" sz="900" b="1" i="1" smtClean="0">
+                              <a:latin typeface="Cambria Math" panose="02040503050406030204" pitchFamily="18" charset="0"/>
+                            </a:rPr>
+                            <m:t>𝒊</m:t>
+                          </m:r>
+                        </m:sub>
+                      </m:sSub>
+                      <m:r>
+                        <a:rPr lang="en-US" altLang="zh-CN" sz="900" b="0" i="1" smtClean="0">
+                          <a:latin typeface="Cambria Math" panose="02040503050406030204" pitchFamily="18" charset="0"/>
+                        </a:rPr>
+                        <m:t>=</m:t>
+                      </m:r>
+                      <m:sSub>
+                        <m:sSubPr>
+                          <m:ctrlPr>
+                            <a:rPr lang="en-US" altLang="zh-CN" sz="900" b="0" i="1" smtClean="0">
+                              <a:latin typeface="Cambria Math" panose="02040503050406030204" pitchFamily="18" charset="0"/>
+                            </a:rPr>
+                          </m:ctrlPr>
+                        </m:sSubPr>
+                        <m:e>
+                          <m:r>
+                            <a:rPr lang="en-US" altLang="zh-CN" sz="900" b="0" i="1" smtClean="0">
+                              <a:latin typeface="Cambria Math" panose="02040503050406030204" pitchFamily="18" charset="0"/>
+                            </a:rPr>
+                            <m:t>𝑓</m:t>
+                          </m:r>
+                        </m:e>
+                        <m:sub>
+                          <m:r>
+                            <a:rPr lang="en-US" altLang="zh-CN" sz="900" b="0" i="1" smtClean="0">
+                              <a:latin typeface="Cambria Math" panose="02040503050406030204" pitchFamily="18" charset="0"/>
+                            </a:rPr>
+                            <m:t>𝑖</m:t>
+                          </m:r>
+                        </m:sub>
+                      </m:sSub>
+                      <m:r>
+                        <a:rPr lang="en-US" altLang="zh-CN" sz="900" b="0" i="1" smtClean="0">
+                          <a:latin typeface="Cambria Math" panose="02040503050406030204" pitchFamily="18" charset="0"/>
+                        </a:rPr>
+                        <m:t>(</m:t>
+                      </m:r>
+                      <m:sSub>
+                        <m:sSubPr>
+                          <m:ctrlPr>
+                            <a:rPr lang="en-US" altLang="zh-CN" sz="900" b="1" i="1" smtClean="0">
+                              <a:latin typeface="Cambria Math" panose="02040503050406030204" pitchFamily="18" charset="0"/>
+                            </a:rPr>
+                          </m:ctrlPr>
+                        </m:sSubPr>
+                        <m:e>
+                          <m:r>
+                            <a:rPr lang="en-US" altLang="zh-CN" sz="900" b="1" i="1" smtClean="0">
+                              <a:latin typeface="Cambria Math" panose="02040503050406030204" pitchFamily="18" charset="0"/>
+                            </a:rPr>
+                            <m:t>𝒚</m:t>
+                          </m:r>
+                        </m:e>
+                        <m:sub>
+                          <m:r>
+                            <a:rPr lang="en-US" altLang="zh-CN" sz="900" b="1" i="1" smtClean="0">
+                              <a:latin typeface="Cambria Math" panose="02040503050406030204" pitchFamily="18" charset="0"/>
+                            </a:rPr>
+                            <m:t>𝒊</m:t>
+                          </m:r>
+                          <m:r>
+                            <a:rPr lang="en-US" altLang="zh-CN" sz="900" b="1" i="1" smtClean="0">
+                              <a:latin typeface="Cambria Math" panose="02040503050406030204" pitchFamily="18" charset="0"/>
+                            </a:rPr>
+                            <m:t>−</m:t>
+                          </m:r>
+                          <m:r>
+                            <a:rPr lang="en-US" altLang="zh-CN" sz="900" b="1" i="1" smtClean="0">
+                              <a:latin typeface="Cambria Math" panose="02040503050406030204" pitchFamily="18" charset="0"/>
+                            </a:rPr>
+                            <m:t>𝟏</m:t>
+                          </m:r>
+                        </m:sub>
+                      </m:sSub>
+                      <m:r>
+                        <a:rPr lang="en-US" altLang="zh-CN" sz="900" b="0" i="1" smtClean="0">
+                          <a:latin typeface="Cambria Math" panose="02040503050406030204" pitchFamily="18" charset="0"/>
+                        </a:rPr>
+                        <m:t>,</m:t>
+                      </m:r>
+                      <m:sSub>
+                        <m:sSubPr>
+                          <m:ctrlPr>
+                            <a:rPr lang="en-US" altLang="zh-CN" sz="900" b="0" i="1" smtClean="0">
+                              <a:latin typeface="Cambria Math" panose="02040503050406030204" pitchFamily="18" charset="0"/>
+                            </a:rPr>
+                          </m:ctrlPr>
+                        </m:sSubPr>
+                        <m:e>
+                          <m:r>
+                            <a:rPr lang="en-US" altLang="zh-CN" sz="900" b="0" i="1" smtClean="0">
+                              <a:latin typeface="Cambria Math" panose="02040503050406030204" pitchFamily="18" charset="0"/>
+                            </a:rPr>
+                            <m:t>𝑊</m:t>
+                          </m:r>
+                        </m:e>
+                        <m:sub>
+                          <m:r>
+                            <a:rPr lang="en-US" altLang="zh-CN" sz="900" b="0" i="1" smtClean="0">
+                              <a:latin typeface="Cambria Math" panose="02040503050406030204" pitchFamily="18" charset="0"/>
+                            </a:rPr>
+                            <m:t>𝑖</m:t>
+                          </m:r>
+                        </m:sub>
+                      </m:sSub>
+                      <m:r>
+                        <a:rPr lang="en-US" altLang="zh-CN" sz="900" b="0" i="1" smtClean="0">
+                          <a:latin typeface="Cambria Math" panose="02040503050406030204" pitchFamily="18" charset="0"/>
+                        </a:rPr>
+                        <m:t>)</m:t>
+                      </m:r>
+                    </m:oMath>
+                  </m:oMathPara>
+                </a14:m>
+                <a:endParaRPr lang="zh-CN" altLang="en-US" sz="900" dirty="0"/>
+              </a:p>
+            </p:txBody>
+          </p:sp>
+        </mc:Choice>
+        <mc:Fallback>
+          <p:sp>
+            <p:nvSpPr>
+              <p:cNvPr id="151" name="文本框 150"/>
+              <p:cNvSpPr txBox="1">
+                <a:spLocks noRot="1" noChangeAspect="1" noMove="1" noResize="1" noEditPoints="1" noAdjustHandles="1" noChangeArrowheads="1" noChangeShapeType="1" noTextEdit="1"/>
+              </p:cNvSpPr>
+              <p:nvPr/>
+            </p:nvSpPr>
+            <p:spPr>
+              <a:xfrm>
+                <a:off x="1069496" y="2857646"/>
+                <a:ext cx="850874" cy="138499"/>
+              </a:xfrm>
+              <a:prstGeom prst="rect">
+                <a:avLst/>
+              </a:prstGeom>
+              <a:blipFill>
+                <a:blip r:embed="rId6"/>
+                <a:stretch>
+                  <a:fillRect l="-2857" r="-4286" b="-40909"/>
+                </a:stretch>
+              </a:blipFill>
+            </p:spPr>
+            <p:txBody>
+              <a:bodyPr/>
+              <a:lstStyle/>
+              <a:p>
+                <a:r>
+                  <a:rPr lang="zh-CN" altLang="en-US">
+                    <a:noFill/>
+                  </a:rPr>
+                  <a:t> </a:t>
+                </a:r>
+              </a:p>
+            </p:txBody>
+          </p:sp>
+        </mc:Fallback>
+      </mc:AlternateContent>
+      <mc:AlternateContent xmlns:mc="http://schemas.openxmlformats.org/markup-compatibility/2006">
+        <mc:Choice xmlns:a14="http://schemas.microsoft.com/office/drawing/2010/main" Requires="a14">
+          <p:sp>
+            <p:nvSpPr>
+              <p:cNvPr id="152" name="文本框 151"/>
+              <p:cNvSpPr txBox="1"/>
+              <p:nvPr/>
+            </p:nvSpPr>
+            <p:spPr>
+              <a:xfrm>
+                <a:off x="1023581" y="3195587"/>
+                <a:ext cx="763029" cy="287066"/>
+              </a:xfrm>
+              <a:prstGeom prst="rect">
+                <a:avLst/>
+              </a:prstGeom>
+              <a:noFill/>
+            </p:spPr>
+            <p:txBody>
+              <a:bodyPr wrap="none" lIns="0" tIns="0" rIns="0" bIns="0" rtlCol="0">
+                <a:spAutoFit/>
+              </a:bodyPr>
+              <a:lstStyle/>
+              <a:p>
+                <a:pPr/>
                 <a14:m>
                   <m:oMathPara xmlns:m="http://schemas.openxmlformats.org/officeDocument/2006/math">
                     <m:oMathParaPr>
@@ -4681,6 +5872,68 @@
                             </m:sSubPr>
                             <m:e>
                               <m:r>
+                                <a:rPr lang="en-US" altLang="zh-CN" sz="900" b="0" i="1" smtClean="0">
+                                  <a:latin typeface="Cambria Math" panose="02040503050406030204" pitchFamily="18" charset="0"/>
+                                </a:rPr>
+                                <m:t>𝑊</m:t>
+                              </m:r>
+                            </m:e>
+                            <m:sub>
+                              <m:r>
+                                <a:rPr lang="en-US" altLang="zh-CN" sz="900" b="0" i="1" smtClean="0">
+                                  <a:latin typeface="Cambria Math" panose="02040503050406030204" pitchFamily="18" charset="0"/>
+                                </a:rPr>
+                                <m:t>𝑖</m:t>
+                              </m:r>
+                            </m:sub>
+                          </m:sSub>
+                        </m:den>
+                      </m:f>
+                      <m:r>
+                        <a:rPr lang="en-US" altLang="zh-CN" sz="900" b="0" i="1" smtClean="0">
+                          <a:latin typeface="Cambria Math" panose="02040503050406030204" pitchFamily="18" charset="0"/>
+                        </a:rPr>
+                        <m:t>=</m:t>
+                      </m:r>
+                      <m:f>
+                        <m:fPr>
+                          <m:ctrlPr>
+                            <a:rPr lang="en-US" altLang="zh-CN" sz="900" i="1">
+                              <a:latin typeface="Cambria Math" panose="02040503050406030204" pitchFamily="18" charset="0"/>
+                            </a:rPr>
+                          </m:ctrlPr>
+                        </m:fPr>
+                        <m:num>
+                          <m:r>
+                            <a:rPr lang="zh-CN" altLang="en-US" sz="900" i="1">
+                              <a:latin typeface="Cambria Math" panose="02040503050406030204" pitchFamily="18" charset="0"/>
+                            </a:rPr>
+                            <m:t>𝜕</m:t>
+                          </m:r>
+                          <m:r>
+                            <a:rPr lang="en-US" altLang="zh-CN" sz="900" i="1">
+                              <a:latin typeface="Cambria Math" panose="02040503050406030204" pitchFamily="18" charset="0"/>
+                            </a:rPr>
+                            <m:t>𝐸</m:t>
+                          </m:r>
+                        </m:num>
+                        <m:den>
+                          <m:r>
+                            <a:rPr lang="zh-CN" altLang="en-US" sz="900" i="1">
+                              <a:latin typeface="Cambria Math" panose="02040503050406030204" pitchFamily="18" charset="0"/>
+                            </a:rPr>
+                            <m:t>𝜕</m:t>
+                          </m:r>
+                          <m:sSub>
+                            <m:sSubPr>
+                              <m:ctrlPr>
+                                <a:rPr lang="en-US" altLang="zh-CN" sz="900" b="1" i="1">
+                                  <a:latin typeface="Cambria Math" panose="02040503050406030204" pitchFamily="18" charset="0"/>
+                                </a:rPr>
+                              </m:ctrlPr>
+                            </m:sSubPr>
+                            <m:e>
+                              <m:r>
                                 <a:rPr lang="en-US" altLang="zh-CN" sz="900" b="1" i="1" smtClean="0">
                                   <a:latin typeface="Cambria Math" panose="02040503050406030204" pitchFamily="18" charset="0"/>
                                 </a:rPr>
@@ -4689,10 +5942,85 @@
                             </m:e>
                             <m:sub>
                               <m:r>
-                                <a:rPr lang="en-US" altLang="zh-CN" sz="900" b="1" i="1" smtClean="0">
+                                <a:rPr lang="en-US" altLang="zh-CN" sz="900" b="1" i="1">
                                   <a:latin typeface="Cambria Math" panose="02040503050406030204" pitchFamily="18" charset="0"/>
                                 </a:rPr>
-                                <m:t>𝟎</m:t>
+                                <m:t>𝒊</m:t>
+                              </m:r>
+                            </m:sub>
+                          </m:sSub>
+                        </m:den>
+                      </m:f>
+                      <m:f>
+                        <m:fPr>
+                          <m:ctrlPr>
+                            <a:rPr lang="en-US" altLang="zh-CN" sz="900" i="1" smtClean="0">
+                              <a:latin typeface="Cambria Math" panose="02040503050406030204" pitchFamily="18" charset="0"/>
+                            </a:rPr>
+                          </m:ctrlPr>
+                        </m:fPr>
+                        <m:num>
+                          <m:r>
+                            <a:rPr lang="zh-CN" altLang="en-US" sz="900" i="1" smtClean="0">
+                              <a:latin typeface="Cambria Math" panose="02040503050406030204" pitchFamily="18" charset="0"/>
+                            </a:rPr>
+                            <m:t>𝜕</m:t>
+                          </m:r>
+                          <m:sSub>
+                            <m:sSubPr>
+                              <m:ctrlPr>
+                                <a:rPr lang="en-US" altLang="zh-CN" sz="900" b="1" i="1">
+                                  <a:latin typeface="Cambria Math" panose="02040503050406030204" pitchFamily="18" charset="0"/>
+                                </a:rPr>
+                              </m:ctrlPr>
+                            </m:sSubPr>
+                            <m:e>
+                              <m:r>
+                                <a:rPr lang="en-US" altLang="zh-CN" sz="900" b="1" i="1">
+                                  <a:latin typeface="Cambria Math" panose="02040503050406030204" pitchFamily="18" charset="0"/>
+                                </a:rPr>
+                                <m:t>𝒚</m:t>
+                              </m:r>
+                            </m:e>
+                            <m:sub>
+                              <m:r>
+                                <a:rPr lang="en-US" altLang="zh-CN" sz="900" b="1" i="1">
+                                  <a:latin typeface="Cambria Math" panose="02040503050406030204" pitchFamily="18" charset="0"/>
+                                </a:rPr>
+                                <m:t>𝒊</m:t>
+                              </m:r>
+                            </m:sub>
+                          </m:sSub>
+                        </m:num>
+                        <m:den>
+                          <m:r>
+                            <a:rPr lang="zh-CN" altLang="en-US" sz="900" i="1" smtClean="0">
+                              <a:latin typeface="Cambria Math" panose="02040503050406030204" pitchFamily="18" charset="0"/>
+                            </a:rPr>
+                            <m:t>𝜕</m:t>
+                          </m:r>
+                          <m:sSub>
+                            <m:sSubPr>
+                              <m:ctrlPr>
+                                <a:rPr lang="en-US" altLang="zh-CN" sz="900" i="1" smtClean="0">
+                                  <a:latin typeface="Cambria Math" panose="02040503050406030204" pitchFamily="18" charset="0"/>
+                                </a:rPr>
+                              </m:ctrlPr>
+                            </m:sSubPr>
+                            <m:e>
+                              <m:r>
+                                <a:rPr lang="en-US" altLang="zh-CN" sz="900" b="0" i="1" smtClean="0">
+                                  <a:latin typeface="Cambria Math" panose="02040503050406030204" pitchFamily="18" charset="0"/>
+                                </a:rPr>
+                                <m:t>𝑊</m:t>
+                              </m:r>
+                            </m:e>
+                            <m:sub>
+                              <m:r>
+                                <a:rPr lang="en-US" altLang="zh-CN" sz="900" b="0" i="1" smtClean="0">
+                                  <a:latin typeface="Cambria Math" panose="02040503050406030204" pitchFamily="18" charset="0"/>
+                                </a:rPr>
+                                <m:t>𝑖</m:t>
                               </m:r>
                             </m:sub>
                           </m:sSub>
@@ -4701,10 +6029,7 @@
                     </m:oMath>
                   </m:oMathPara>
                 </a14:m>
-                <a:endParaRPr lang="zh-CN" altLang="en-US" sz="900" dirty="0">
-                  <a:latin typeface="Times New Roman" panose="02020603050405020304" pitchFamily="18" charset="0"/>
-                  <a:cs typeface="Times New Roman" panose="02020603050405020304" pitchFamily="18" charset="0"/>
-                </a:endParaRPr>
+                <a:endParaRPr lang="zh-CN" altLang="en-US" sz="900" dirty="0"/>
               </a:p>
             </p:txBody>
           </p:sp>
@@ -4712,7 +6037,7 @@
         <mc:Fallback>
           <p:sp>
             <p:nvSpPr>
-              <p:cNvPr id="122" name="文本框 121"/>
+              <p:cNvPr id="152" name="文本框 151"/>
               <p:cNvSpPr txBox="1">
                 <a:spLocks noRot="1" noChangeAspect="1" noMove="1" noResize="1" noEditPoints="1" noAdjustHandles="1" noChangeArrowheads="1" noChangeShapeType="1" noTextEdit="1"/>
               </p:cNvSpPr>
@@ -4720,16 +6045,16 @@
             </p:nvSpPr>
             <p:spPr>
               <a:xfrm>
-                <a:off x="1386075" y="1919157"/>
-                <a:ext cx="219354" cy="287066"/>
+                <a:off x="1023581" y="3195587"/>
+                <a:ext cx="763029" cy="287066"/>
               </a:xfrm>
               <a:prstGeom prst="rect">
                 <a:avLst/>
               </a:prstGeom>
               <a:blipFill>
-                <a:blip r:embed="rId2"/>
+                <a:blip r:embed="rId7"/>
                 <a:stretch>
-                  <a:fillRect l="-13889" t="-2128" r="-5556" b="-14894"/>
+                  <a:fillRect l="-3200" t="-2128" r="-800" b="-14894"/>
                 </a:stretch>
               </a:blipFill>
             </p:spPr>
@@ -4752,14 +6077,14 @@
         <mc:Choice xmlns:a14="http://schemas.microsoft.com/office/drawing/2010/main" Requires="a14">
           <p:sp>
             <p:nvSpPr>
-              <p:cNvPr id="123" name="文本框 122"/>
+              <p:cNvPr id="153" name="文本框 152"/>
               <p:cNvSpPr txBox="1"/>
               <p:nvPr/>
             </p:nvSpPr>
             <p:spPr>
               <a:xfrm>
-                <a:off x="2013601" y="1919157"/>
-                <a:ext cx="219354" cy="287066"/>
+                <a:off x="1939232" y="3195779"/>
+                <a:ext cx="894411" cy="286745"/>
               </a:xfrm>
               <a:prstGeom prst="rect">
                 <a:avLst/>
@@ -4772,6 +6097,218 @@
               </a:bodyPr>
               <a:lstStyle/>
               <a:p>
+                <a:pPr/>
+                <a14:m>
+                  <m:oMathPara xmlns:m="http://schemas.openxmlformats.org/officeDocument/2006/math">
+                    <m:oMathParaPr>
+                      <m:jc m:val="centerGroup"/>
+                    </m:oMathParaPr>
+                    <m:oMath xmlns:m="http://schemas.openxmlformats.org/officeDocument/2006/math">
+                      <m:sSubSup>
+                        <m:sSubSupPr>
+                          <m:ctrlPr>
+                            <a:rPr lang="en-US" altLang="zh-CN" sz="900" b="0" i="1" smtClean="0">
+                              <a:latin typeface="Cambria Math" panose="02040503050406030204" pitchFamily="18" charset="0"/>
+                            </a:rPr>
+                          </m:ctrlPr>
+                        </m:sSubSupPr>
+                        <m:e>
+                          <m:r>
+                            <a:rPr lang="en-US" altLang="zh-CN" sz="900" b="0" i="1" smtClean="0">
+                              <a:latin typeface="Cambria Math" panose="02040503050406030204" pitchFamily="18" charset="0"/>
+                            </a:rPr>
+                            <m:t>𝑊</m:t>
+                          </m:r>
+                        </m:e>
+                        <m:sub>
+                          <m:r>
+                            <a:rPr lang="en-US" altLang="zh-CN" sz="900" b="0" i="1" smtClean="0">
+                              <a:latin typeface="Cambria Math" panose="02040503050406030204" pitchFamily="18" charset="0"/>
+                            </a:rPr>
+                            <m:t>𝑖</m:t>
+                          </m:r>
+                        </m:sub>
+                        <m:sup>
+                          <m:r>
+                            <a:rPr lang="en-US" altLang="zh-CN" sz="900" b="0" i="1" smtClean="0">
+                              <a:latin typeface="Cambria Math" panose="02040503050406030204" pitchFamily="18" charset="0"/>
+                            </a:rPr>
+                            <m:t>∗</m:t>
+                          </m:r>
+                        </m:sup>
+                      </m:sSubSup>
+                      <m:r>
+                        <a:rPr lang="en-US" altLang="zh-CN" sz="900" b="0" i="1" smtClean="0">
+                          <a:latin typeface="Cambria Math" panose="02040503050406030204" pitchFamily="18" charset="0"/>
+                        </a:rPr>
+                        <m:t>=</m:t>
+                      </m:r>
+                      <m:sSub>
+                        <m:sSubPr>
+                          <m:ctrlPr>
+                            <a:rPr lang="en-US" altLang="zh-CN" sz="900" b="0" i="1" smtClean="0">
+                              <a:latin typeface="Cambria Math" panose="02040503050406030204" pitchFamily="18" charset="0"/>
+                            </a:rPr>
+                          </m:ctrlPr>
+                        </m:sSubPr>
+                        <m:e>
+                          <m:r>
+                            <a:rPr lang="en-US" altLang="zh-CN" sz="900" b="0" i="1" smtClean="0">
+                              <a:latin typeface="Cambria Math" panose="02040503050406030204" pitchFamily="18" charset="0"/>
+                            </a:rPr>
+                            <m:t>𝑊</m:t>
+                          </m:r>
+                        </m:e>
+                        <m:sub>
+                          <m:r>
+                            <a:rPr lang="en-US" altLang="zh-CN" sz="900" b="0" i="1" smtClean="0">
+                              <a:latin typeface="Cambria Math" panose="02040503050406030204" pitchFamily="18" charset="0"/>
+                            </a:rPr>
+                            <m:t>𝑖</m:t>
+                          </m:r>
+                        </m:sub>
+                      </m:sSub>
+                      <m:r>
+                        <a:rPr lang="en-US" altLang="zh-CN" sz="900" i="1" smtClean="0">
+                          <a:latin typeface="Cambria Math" panose="02040503050406030204" pitchFamily="18" charset="0"/>
+                          <a:ea typeface="Cambria Math" panose="02040503050406030204" pitchFamily="18" charset="0"/>
+                        </a:rPr>
+                        <m:t>−</m:t>
+                      </m:r>
+                      <m:r>
+                        <a:rPr lang="zh-CN" altLang="en-US" sz="900" b="0" i="1" smtClean="0">
+                          <a:latin typeface="Cambria Math" panose="02040503050406030204" pitchFamily="18" charset="0"/>
+                        </a:rPr>
+                        <m:t>𝛼</m:t>
+                      </m:r>
+                      <m:f>
+                        <m:fPr>
+                          <m:ctrlPr>
+                            <a:rPr lang="en-US" altLang="zh-CN" sz="900" i="1">
+                              <a:latin typeface="Cambria Math" panose="02040503050406030204" pitchFamily="18" charset="0"/>
+                            </a:rPr>
+                          </m:ctrlPr>
+                        </m:fPr>
+                        <m:num>
+                          <m:r>
+                            <a:rPr lang="zh-CN" altLang="en-US" sz="900" i="1">
+                              <a:latin typeface="Cambria Math" panose="02040503050406030204" pitchFamily="18" charset="0"/>
+                            </a:rPr>
+                            <m:t>𝜕</m:t>
+                          </m:r>
+                          <m:r>
+                            <a:rPr lang="en-US" altLang="zh-CN" sz="900" i="1">
+                              <a:latin typeface="Cambria Math" panose="02040503050406030204" pitchFamily="18" charset="0"/>
+                            </a:rPr>
+                            <m:t>𝐸</m:t>
+                          </m:r>
+                        </m:num>
+                        <m:den>
+                          <m:r>
+                            <a:rPr lang="zh-CN" altLang="en-US" sz="900" i="1">
+                              <a:latin typeface="Cambria Math" panose="02040503050406030204" pitchFamily="18" charset="0"/>
+                            </a:rPr>
+                            <m:t>𝜕</m:t>
+                          </m:r>
+                          <m:sSub>
+                            <m:sSubPr>
+                              <m:ctrlPr>
+                                <a:rPr lang="en-US" altLang="zh-CN" sz="900" i="1">
+                                  <a:latin typeface="Cambria Math" panose="02040503050406030204" pitchFamily="18" charset="0"/>
+                                </a:rPr>
+                              </m:ctrlPr>
+                            </m:sSubPr>
+                            <m:e>
+                              <m:r>
+                                <a:rPr lang="en-US" altLang="zh-CN" sz="900" b="0" i="1" smtClean="0">
+                                  <a:latin typeface="Cambria Math" panose="02040503050406030204" pitchFamily="18" charset="0"/>
+                                </a:rPr>
+                                <m:t>𝑊</m:t>
+                              </m:r>
+                            </m:e>
+                            <m:sub>
+                              <m:r>
+                                <a:rPr lang="en-US" altLang="zh-CN" sz="900" i="1">
+                                  <a:latin typeface="Cambria Math" panose="02040503050406030204" pitchFamily="18" charset="0"/>
+                                </a:rPr>
+                                <m:t>𝑖</m:t>
+                              </m:r>
+                            </m:sub>
+                          </m:sSub>
+                        </m:den>
+                      </m:f>
+                    </m:oMath>
+                  </m:oMathPara>
+                </a14:m>
+                <a:endParaRPr lang="zh-CN" altLang="en-US" sz="900" dirty="0"/>
+              </a:p>
+            </p:txBody>
+          </p:sp>
+        </mc:Choice>
+        <mc:Fallback>
+          <p:sp>
+            <p:nvSpPr>
+              <p:cNvPr id="153" name="文本框 152"/>
+              <p:cNvSpPr txBox="1">
+                <a:spLocks noRot="1" noChangeAspect="1" noMove="1" noResize="1" noEditPoints="1" noAdjustHandles="1" noChangeArrowheads="1" noChangeShapeType="1" noTextEdit="1"/>
+              </p:cNvSpPr>
+              <p:nvPr/>
+            </p:nvSpPr>
+            <p:spPr>
+              <a:xfrm>
+                <a:off x="1939232" y="3195779"/>
+                <a:ext cx="894411" cy="286745"/>
+              </a:xfrm>
+              <a:prstGeom prst="rect">
+                <a:avLst/>
+              </a:prstGeom>
+              <a:blipFill>
+                <a:blip r:embed="rId8"/>
+                <a:stretch>
+                  <a:fillRect l="-2721" t="-2128" r="-680" b="-10638"/>
+                </a:stretch>
+              </a:blipFill>
+            </p:spPr>
+            <p:txBody>
+              <a:bodyPr/>
+              <a:lstStyle/>
+              <a:p>
+                <a:r>
+                  <a:rPr lang="zh-CN" altLang="en-US">
+                    <a:noFill/>
+                  </a:rPr>
+                  <a:t> </a:t>
+                </a:r>
+              </a:p>
+            </p:txBody>
+          </p:sp>
+        </mc:Fallback>
+      </mc:AlternateContent>
+      <mc:AlternateContent xmlns:mc="http://schemas.openxmlformats.org/markup-compatibility/2006">
+        <mc:Choice xmlns:a14="http://schemas.microsoft.com/office/drawing/2010/main" Requires="a14">
+          <p:sp>
+            <p:nvSpPr>
+              <p:cNvPr id="154" name="文本框 153"/>
+              <p:cNvSpPr txBox="1"/>
+              <p:nvPr/>
+            </p:nvSpPr>
+            <p:spPr>
+              <a:xfrm>
+                <a:off x="2516969" y="2772138"/>
+                <a:ext cx="935384" cy="287066"/>
+              </a:xfrm>
+              <a:prstGeom prst="rect">
+                <a:avLst/>
+              </a:prstGeom>
+              <a:noFill/>
+            </p:spPr>
+            <p:txBody>
+              <a:bodyPr wrap="none" lIns="0" tIns="0" rIns="0" bIns="0" rtlCol="0">
+                <a:spAutoFit/>
+              </a:bodyPr>
+              <a:lstStyle/>
+              <a:p>
+                <a:pPr/>
                 <a14:m>
                   <m:oMathPara xmlns:m="http://schemas.openxmlformats.org/officeDocument/2006/math">
                     <m:oMathParaPr>
@@ -4810,7 +6347,7 @@
                           <m:sSub>
                             <m:sSubPr>
                               <m:ctrlPr>
-                                <a:rPr lang="en-US" altLang="zh-CN" sz="900" i="1" smtClean="0">
+                                <a:rPr lang="en-US" altLang="zh-CN" sz="900" b="1" i="1" smtClean="0">
                                   <a:latin typeface="Cambria Math" panose="02040503050406030204" pitchFamily="18" charset="0"/>
                                 </a:rPr>
                               </m:ctrlPr>
@@ -4828,92 +6365,86 @@
                                 <a:rPr lang="en-US" altLang="zh-CN" sz="900" b="1" i="1" smtClean="0">
                                   <a:latin typeface="Cambria Math" panose="02040503050406030204" pitchFamily="18" charset="0"/>
                                 </a:rPr>
+                                <m:t>𝒊</m:t>
+                              </m:r>
+                              <m:r>
+                                <a:rPr lang="en-US" altLang="zh-CN" sz="900" b="1" i="1" smtClean="0">
+                                  <a:latin typeface="Cambria Math" panose="02040503050406030204" pitchFamily="18" charset="0"/>
+                                </a:rPr>
+                                <m:t>−</m:t>
+                              </m:r>
+                              <m:r>
+                                <a:rPr lang="en-US" altLang="zh-CN" sz="900" b="1" i="1" smtClean="0">
+                                  <a:latin typeface="Cambria Math" panose="02040503050406030204" pitchFamily="18" charset="0"/>
+                                </a:rPr>
                                 <m:t>𝟏</m:t>
                               </m:r>
                             </m:sub>
                           </m:sSub>
                         </m:den>
                       </m:f>
-                    </m:oMath>
-                  </m:oMathPara>
-                </a14:m>
-                <a:endParaRPr lang="zh-CN" altLang="en-US" sz="900" dirty="0">
-                  <a:latin typeface="Times New Roman" panose="02020603050405020304" pitchFamily="18" charset="0"/>
-                  <a:cs typeface="Times New Roman" panose="02020603050405020304" pitchFamily="18" charset="0"/>
-                </a:endParaRPr>
-              </a:p>
-            </p:txBody>
-          </p:sp>
-        </mc:Choice>
-        <mc:Fallback>
-          <p:sp>
-            <p:nvSpPr>
-              <p:cNvPr id="123" name="文本框 122"/>
-              <p:cNvSpPr txBox="1">
-                <a:spLocks noRot="1" noChangeAspect="1" noMove="1" noResize="1" noEditPoints="1" noAdjustHandles="1" noChangeArrowheads="1" noChangeShapeType="1" noTextEdit="1"/>
-              </p:cNvSpPr>
-              <p:nvPr/>
-            </p:nvSpPr>
-            <p:spPr>
-              <a:xfrm>
-                <a:off x="2013601" y="1919157"/>
-                <a:ext cx="219354" cy="287066"/>
-              </a:xfrm>
-              <a:prstGeom prst="rect">
-                <a:avLst/>
-              </a:prstGeom>
-              <a:blipFill>
-                <a:blip r:embed="rId3"/>
-                <a:stretch>
-                  <a:fillRect l="-13889" t="-2128" r="-5556" b="-14894"/>
-                </a:stretch>
-              </a:blipFill>
-            </p:spPr>
-            <p:txBody>
-              <a:bodyPr/>
-              <a:lstStyle/>
-              <a:p>
-                <a:r>
-                  <a:rPr lang="zh-CN" altLang="en-US">
-                    <a:noFill/>
-                  </a:rPr>
-                  <a:t> </a:t>
-                </a:r>
-              </a:p>
-            </p:txBody>
-          </p:sp>
-        </mc:Fallback>
-      </mc:AlternateContent>
-      <mc:AlternateContent xmlns:mc="http://schemas.openxmlformats.org/markup-compatibility/2006">
-        <mc:Choice xmlns:a14="http://schemas.microsoft.com/office/drawing/2010/main" Requires="a14">
-          <p:sp>
-            <p:nvSpPr>
-              <p:cNvPr id="124" name="文本框 123"/>
-              <p:cNvSpPr txBox="1"/>
-              <p:nvPr/>
-            </p:nvSpPr>
-            <p:spPr>
-              <a:xfrm>
-                <a:off x="2641127" y="1919157"/>
-                <a:ext cx="219354" cy="287066"/>
-              </a:xfrm>
-              <a:prstGeom prst="rect">
-                <a:avLst/>
-              </a:prstGeom>
-              <a:noFill/>
-            </p:spPr>
-            <p:txBody>
-              <a:bodyPr wrap="none" lIns="0" tIns="0" rIns="0" bIns="0" rtlCol="0">
-                <a:spAutoFit/>
-              </a:bodyPr>
-              <a:lstStyle/>
-              <a:p>
-                <a14:m>
-                  <m:oMathPara xmlns:m="http://schemas.openxmlformats.org/officeDocument/2006/math">
-                    <m:oMathParaPr>
-                      <m:jc m:val="centerGroup"/>
-                    </m:oMathParaPr>
-                    <m:oMath xmlns:m="http://schemas.openxmlformats.org/officeDocument/2006/math">
+                      <m:r>
+                        <a:rPr lang="en-US" altLang="zh-CN" sz="900" b="0" i="1" smtClean="0">
+                          <a:latin typeface="Cambria Math" panose="02040503050406030204" pitchFamily="18" charset="0"/>
+                        </a:rPr>
+                        <m:t>=</m:t>
+                      </m:r>
+                      <m:f>
+                        <m:fPr>
+                          <m:ctrlPr>
+                            <a:rPr lang="en-US" altLang="zh-CN" sz="900" i="1">
+                              <a:latin typeface="Cambria Math" panose="02040503050406030204" pitchFamily="18" charset="0"/>
+                            </a:rPr>
+                          </m:ctrlPr>
+                        </m:fPr>
+                        <m:num>
+                          <m:r>
+                            <a:rPr lang="zh-CN" altLang="en-US" sz="900" i="1">
+                              <a:latin typeface="Cambria Math" panose="02040503050406030204" pitchFamily="18" charset="0"/>
+                            </a:rPr>
+                            <m:t>𝜕</m:t>
+                          </m:r>
+                          <m:r>
+                            <a:rPr lang="en-US" altLang="zh-CN" sz="900" i="1">
+                              <a:latin typeface="Cambria Math" panose="02040503050406030204" pitchFamily="18" charset="0"/>
+                            </a:rPr>
+                            <m:t>𝐸</m:t>
+                          </m:r>
+                        </m:num>
+                        <m:den>
+                          <m:r>
+                            <a:rPr lang="zh-CN" altLang="en-US" sz="900" i="1">
+                              <a:latin typeface="Cambria Math" panose="02040503050406030204" pitchFamily="18" charset="0"/>
+                            </a:rPr>
+                            <m:t>𝜕</m:t>
+                          </m:r>
+                          <m:sSub>
+                            <m:sSubPr>
+                              <m:ctrlPr>
+                                <a:rPr lang="en-US" altLang="zh-CN" sz="900" b="1" i="1">
+                                  <a:latin typeface="Cambria Math" panose="02040503050406030204" pitchFamily="18" charset="0"/>
+                                </a:rPr>
+                              </m:ctrlPr>
+                            </m:sSubPr>
+                            <m:e>
+                              <m:r>
+                                <a:rPr lang="en-US" altLang="zh-CN" sz="900" b="1" i="1" smtClean="0">
+                                  <a:latin typeface="Cambria Math" panose="02040503050406030204" pitchFamily="18" charset="0"/>
+                                </a:rPr>
+                                <m:t>𝒚</m:t>
+                              </m:r>
+                            </m:e>
+                            <m:sub>
+                              <m:r>
+                                <a:rPr lang="en-US" altLang="zh-CN" sz="900" b="1" i="1">
+                                  <a:latin typeface="Cambria Math" panose="02040503050406030204" pitchFamily="18" charset="0"/>
+                                </a:rPr>
+                                <m:t>𝒊</m:t>
+                              </m:r>
+                            </m:sub>
+                          </m:sSub>
+                        </m:den>
+                      </m:f>
                       <m:f>
                         <m:fPr>
                           <m:ctrlPr>
@@ -4929,12 +6460,31 @@
                             </a:rPr>
                             <m:t>𝜕</m:t>
                           </m:r>
-                          <m:r>
-                            <a:rPr lang="en-US" altLang="zh-CN" sz="900" b="0" i="1" smtClean="0">
-                              <a:latin typeface="Cambria Math" panose="02040503050406030204" pitchFamily="18" charset="0"/>
-                            </a:rPr>
-                            <m:t>𝐸</m:t>
-                          </m:r>
+                          <m:sSub>
+                            <m:sSubPr>
+                              <m:ctrlPr>
+                                <a:rPr lang="en-US" altLang="zh-CN" sz="900" b="1" i="1">
+                                  <a:latin typeface="Cambria Math" panose="02040503050406030204" pitchFamily="18" charset="0"/>
+                                </a:rPr>
+                              </m:ctrlPr>
+                            </m:sSubPr>
+                            <m:e>
+                              <m:r>
+                                <a:rPr lang="en-US" altLang="zh-CN" sz="900" b="1" i="1">
+                                  <a:latin typeface="Cambria Math" panose="02040503050406030204" pitchFamily="18" charset="0"/>
+                                </a:rPr>
+                                <m:t>𝒚</m:t>
+                              </m:r>
+                            </m:e>
+                            <m:sub>
+                              <m:r>
+                                <a:rPr lang="en-US" altLang="zh-CN" sz="900" b="1" i="1">
+                                  <a:latin typeface="Cambria Math" panose="02040503050406030204" pitchFamily="18" charset="0"/>
+                                </a:rPr>
+                                <m:t>𝒊</m:t>
+                              </m:r>
+                            </m:sub>
+                          </m:sSub>
                         </m:num>
                         <m:den>
                           <m:r>
@@ -4946,7 +6496,7 @@
                           <m:sSub>
                             <m:sSubPr>
                               <m:ctrlPr>
-                                <a:rPr lang="en-US" altLang="zh-CN" sz="900" i="1" smtClean="0">
+                                <a:rPr lang="en-US" altLang="zh-CN" sz="900" b="1" i="1" smtClean="0">
                                   <a:latin typeface="Cambria Math" panose="02040503050406030204" pitchFamily="18" charset="0"/>
                                 </a:rPr>
                               </m:ctrlPr>
@@ -4964,1553 +6514,16 @@
                                 <a:rPr lang="en-US" altLang="zh-CN" sz="900" b="1" i="1" smtClean="0">
                                   <a:latin typeface="Cambria Math" panose="02040503050406030204" pitchFamily="18" charset="0"/>
                                 </a:rPr>
-                                <m:t>𝟐</m:t>
-                              </m:r>
-                            </m:sub>
-                          </m:sSub>
-                        </m:den>
-                      </m:f>
-                    </m:oMath>
-                  </m:oMathPara>
-                </a14:m>
-                <a:endParaRPr lang="zh-CN" altLang="en-US" sz="900" dirty="0">
-                  <a:latin typeface="Times New Roman" panose="02020603050405020304" pitchFamily="18" charset="0"/>
-                  <a:cs typeface="Times New Roman" panose="02020603050405020304" pitchFamily="18" charset="0"/>
-                </a:endParaRPr>
-              </a:p>
-            </p:txBody>
-          </p:sp>
-        </mc:Choice>
-        <mc:Fallback>
-          <p:sp>
-            <p:nvSpPr>
-              <p:cNvPr id="124" name="文本框 123"/>
-              <p:cNvSpPr txBox="1">
-                <a:spLocks noRot="1" noChangeAspect="1" noMove="1" noResize="1" noEditPoints="1" noAdjustHandles="1" noChangeArrowheads="1" noChangeShapeType="1" noTextEdit="1"/>
-              </p:cNvSpPr>
-              <p:nvPr/>
-            </p:nvSpPr>
-            <p:spPr>
-              <a:xfrm>
-                <a:off x="2641127" y="1919157"/>
-                <a:ext cx="219354" cy="287066"/>
-              </a:xfrm>
-              <a:prstGeom prst="rect">
-                <a:avLst/>
-              </a:prstGeom>
-              <a:blipFill>
-                <a:blip r:embed="rId4"/>
-                <a:stretch>
-                  <a:fillRect l="-13889" t="-2128" r="-5556" b="-14894"/>
-                </a:stretch>
-              </a:blipFill>
-            </p:spPr>
-            <p:txBody>
-              <a:bodyPr/>
-              <a:lstStyle/>
-              <a:p>
-                <a:r>
-                  <a:rPr lang="zh-CN" altLang="en-US">
-                    <a:noFill/>
-                  </a:rPr>
-                  <a:t> </a:t>
-                </a:r>
-              </a:p>
-            </p:txBody>
-          </p:sp>
-        </mc:Fallback>
-      </mc:AlternateContent>
-      <mc:AlternateContent xmlns:mc="http://schemas.openxmlformats.org/markup-compatibility/2006">
-        <mc:Choice xmlns:a14="http://schemas.microsoft.com/office/drawing/2010/main" Requires="a14">
-          <p:sp>
-            <p:nvSpPr>
-              <p:cNvPr id="125" name="文本框 124"/>
-              <p:cNvSpPr txBox="1"/>
-              <p:nvPr/>
-            </p:nvSpPr>
-            <p:spPr>
-              <a:xfrm>
-                <a:off x="3445846" y="2097264"/>
-                <a:ext cx="219354" cy="287066"/>
-              </a:xfrm>
-              <a:prstGeom prst="rect">
-                <a:avLst/>
-              </a:prstGeom>
-              <a:noFill/>
-            </p:spPr>
-            <p:txBody>
-              <a:bodyPr wrap="none" lIns="0" tIns="0" rIns="0" bIns="0" rtlCol="0">
-                <a:spAutoFit/>
-              </a:bodyPr>
-              <a:lstStyle/>
-              <a:p>
-                <a14:m>
-                  <m:oMathPara xmlns:m="http://schemas.openxmlformats.org/officeDocument/2006/math">
-                    <m:oMathParaPr>
-                      <m:jc m:val="centerGroup"/>
-                    </m:oMathParaPr>
-                    <m:oMath xmlns:m="http://schemas.openxmlformats.org/officeDocument/2006/math">
-                      <m:f>
-                        <m:fPr>
-                          <m:ctrlPr>
-                            <a:rPr lang="en-US" altLang="zh-CN" sz="900" i="1" smtClean="0">
-                              <a:latin typeface="Cambria Math" panose="02040503050406030204" pitchFamily="18" charset="0"/>
-                            </a:rPr>
-                          </m:ctrlPr>
-                        </m:fPr>
-                        <m:num>
-                          <m:r>
-                            <a:rPr lang="zh-CN" altLang="en-US" sz="900" i="1" smtClean="0">
-                              <a:latin typeface="Cambria Math" panose="02040503050406030204" pitchFamily="18" charset="0"/>
-                            </a:rPr>
-                            <m:t>𝜕</m:t>
-                          </m:r>
-                          <m:r>
-                            <a:rPr lang="en-US" altLang="zh-CN" sz="900" b="0" i="1" smtClean="0">
-                              <a:latin typeface="Cambria Math" panose="02040503050406030204" pitchFamily="18" charset="0"/>
-                            </a:rPr>
-                            <m:t>𝐸</m:t>
-                          </m:r>
-                        </m:num>
-                        <m:den>
-                          <m:r>
-                            <a:rPr lang="zh-CN" altLang="en-US" sz="900" i="1" smtClean="0">
-                              <a:latin typeface="Cambria Math" panose="02040503050406030204" pitchFamily="18" charset="0"/>
-                            </a:rPr>
-                            <m:t>𝜕</m:t>
-                          </m:r>
-                          <m:sSub>
-                            <m:sSubPr>
-                              <m:ctrlPr>
-                                <a:rPr lang="en-US" altLang="zh-CN" sz="900" i="1" smtClean="0">
-                                  <a:latin typeface="Cambria Math" panose="02040503050406030204" pitchFamily="18" charset="0"/>
-                                </a:rPr>
-                              </m:ctrlPr>
-                            </m:sSubPr>
-                            <m:e>
-                              <m:r>
-                                <a:rPr lang="en-US" altLang="zh-CN" sz="900" b="1" i="1" smtClean="0">
-                                  <a:latin typeface="Cambria Math" panose="02040503050406030204" pitchFamily="18" charset="0"/>
-                                </a:rPr>
-                                <m:t>𝒚</m:t>
-                              </m:r>
-                            </m:e>
-                            <m:sub>
-                              <m:r>
-                                <a:rPr lang="en-US" altLang="zh-CN" sz="900" b="1" i="1" smtClean="0">
-                                  <a:latin typeface="Cambria Math" panose="02040503050406030204" pitchFamily="18" charset="0"/>
-                                </a:rPr>
-                                <m:t>𝟑</m:t>
-                              </m:r>
-                            </m:sub>
-                          </m:sSub>
-                        </m:den>
-                      </m:f>
-                    </m:oMath>
-                  </m:oMathPara>
-                </a14:m>
-                <a:endParaRPr lang="zh-CN" altLang="en-US" sz="900" dirty="0">
-                  <a:latin typeface="Times New Roman" panose="02020603050405020304" pitchFamily="18" charset="0"/>
-                  <a:cs typeface="Times New Roman" panose="02020603050405020304" pitchFamily="18" charset="0"/>
-                </a:endParaRPr>
-              </a:p>
-            </p:txBody>
-          </p:sp>
-        </mc:Choice>
-        <mc:Fallback>
-          <p:sp>
-            <p:nvSpPr>
-              <p:cNvPr id="125" name="文本框 124"/>
-              <p:cNvSpPr txBox="1">
-                <a:spLocks noRot="1" noChangeAspect="1" noMove="1" noResize="1" noEditPoints="1" noAdjustHandles="1" noChangeArrowheads="1" noChangeShapeType="1" noTextEdit="1"/>
-              </p:cNvSpPr>
-              <p:nvPr/>
-            </p:nvSpPr>
-            <p:spPr>
-              <a:xfrm>
-                <a:off x="3445846" y="2097264"/>
-                <a:ext cx="219354" cy="287066"/>
-              </a:xfrm>
-              <a:prstGeom prst="rect">
-                <a:avLst/>
-              </a:prstGeom>
-              <a:blipFill>
-                <a:blip r:embed="rId5"/>
-                <a:stretch>
-                  <a:fillRect l="-13889" t="-2128" r="-5556" b="-14894"/>
-                </a:stretch>
-              </a:blipFill>
-            </p:spPr>
-            <p:txBody>
-              <a:bodyPr/>
-              <a:lstStyle/>
-              <a:p>
-                <a:r>
-                  <a:rPr lang="zh-CN" altLang="en-US">
-                    <a:noFill/>
-                  </a:rPr>
-                  <a:t> </a:t>
-                </a:r>
-              </a:p>
-            </p:txBody>
-          </p:sp>
-        </mc:Fallback>
-      </mc:AlternateContent>
-      <p:cxnSp>
-        <p:nvCxnSpPr>
-          <p:cNvPr id="126" name="直接箭头连接符 125"/>
-          <p:cNvCxnSpPr/>
-          <p:nvPr/>
-        </p:nvCxnSpPr>
-        <p:spPr>
-          <a:xfrm flipH="1">
-            <a:off x="3253848" y="2240797"/>
-            <a:ext cx="191998" cy="0"/>
-          </a:xfrm>
-          <a:prstGeom prst="straightConnector1">
-            <a:avLst/>
-          </a:prstGeom>
-          <a:ln w="12700">
-            <a:solidFill>
-              <a:srgbClr val="525252"/>
-            </a:solidFill>
-            <a:tailEnd type="triangle" w="sm" len="med"/>
-          </a:ln>
-        </p:spPr>
-        <p:style>
-          <a:lnRef idx="1">
-            <a:schemeClr val="accent1"/>
-          </a:lnRef>
-          <a:fillRef idx="0">
-            <a:schemeClr val="accent1"/>
-          </a:fillRef>
-          <a:effectRef idx="0">
-            <a:schemeClr val="accent1"/>
-          </a:effectRef>
-          <a:fontRef idx="minor">
-            <a:schemeClr val="tx1"/>
-          </a:fontRef>
-        </p:style>
-      </p:cxnSp>
-      <p:cxnSp>
-        <p:nvCxnSpPr>
-          <p:cNvPr id="128" name="直接箭头连接符 127"/>
-          <p:cNvCxnSpPr/>
-          <p:nvPr/>
-        </p:nvCxnSpPr>
-        <p:spPr>
-          <a:xfrm>
-            <a:off x="3214043" y="1385246"/>
-            <a:ext cx="191115" cy="0"/>
-          </a:xfrm>
-          <a:prstGeom prst="straightConnector1">
-            <a:avLst/>
-          </a:prstGeom>
-          <a:ln w="12700">
-            <a:solidFill>
-              <a:srgbClr val="525252"/>
-            </a:solidFill>
-            <a:tailEnd type="triangle" w="sm" len="med"/>
-          </a:ln>
-        </p:spPr>
-        <p:style>
-          <a:lnRef idx="1">
-            <a:schemeClr val="accent1"/>
-          </a:lnRef>
-          <a:fillRef idx="0">
-            <a:schemeClr val="accent1"/>
-          </a:fillRef>
-          <a:effectRef idx="0">
-            <a:schemeClr val="accent1"/>
-          </a:effectRef>
-          <a:fontRef idx="minor">
-            <a:schemeClr val="tx1"/>
-          </a:fontRef>
-        </p:style>
-      </p:cxnSp>
-      <p:sp>
-        <p:nvSpPr>
-          <p:cNvPr id="131" name="文本框 130"/>
-          <p:cNvSpPr txBox="1"/>
-          <p:nvPr/>
-        </p:nvSpPr>
-        <p:spPr>
-          <a:xfrm>
-            <a:off x="3429685" y="1649679"/>
-            <a:ext cx="262896" cy="246221"/>
-          </a:xfrm>
-          <a:prstGeom prst="rect">
-            <a:avLst/>
-          </a:prstGeom>
-          <a:noFill/>
-        </p:spPr>
-        <p:txBody>
-          <a:bodyPr wrap="square" rtlCol="0" anchor="ctr">
-            <a:spAutoFit/>
-          </a:bodyPr>
-          <a:lstStyle/>
-          <a:p>
-            <a:r>
-              <a:rPr lang="en-US" altLang="zh-CN" sz="1000" dirty="0" smtClean="0">
-                <a:latin typeface="Cambria Math" panose="02040503050406030204" pitchFamily="18" charset="0"/>
-                <a:ea typeface="Cambria Math" panose="02040503050406030204" pitchFamily="18" charset="0"/>
-                <a:cs typeface="Times New Roman" panose="02020603050405020304" pitchFamily="18" charset="0"/>
-              </a:rPr>
-              <a:t>E</a:t>
-            </a:r>
-            <a:endParaRPr lang="zh-CN" altLang="en-US" sz="1000" baseline="-25000" dirty="0">
-              <a:latin typeface="Cambria Math" panose="02040503050406030204" pitchFamily="18" charset="0"/>
-              <a:cs typeface="Times New Roman" panose="02020603050405020304" pitchFamily="18" charset="0"/>
-            </a:endParaRPr>
-          </a:p>
-        </p:txBody>
-      </p:sp>
-      <p:cxnSp>
-        <p:nvCxnSpPr>
-          <p:cNvPr id="136" name="直接箭头连接符 135"/>
-          <p:cNvCxnSpPr/>
-          <p:nvPr/>
-        </p:nvCxnSpPr>
-        <p:spPr>
-          <a:xfrm>
-            <a:off x="3555523" y="1470099"/>
-            <a:ext cx="0" cy="207630"/>
-          </a:xfrm>
-          <a:prstGeom prst="straightConnector1">
-            <a:avLst/>
-          </a:prstGeom>
-          <a:ln w="12700">
-            <a:solidFill>
-              <a:srgbClr val="525252"/>
-            </a:solidFill>
-            <a:tailEnd type="triangle" w="sm" len="med"/>
-          </a:ln>
-        </p:spPr>
-        <p:style>
-          <a:lnRef idx="1">
-            <a:schemeClr val="accent1"/>
-          </a:lnRef>
-          <a:fillRef idx="0">
-            <a:schemeClr val="accent1"/>
-          </a:fillRef>
-          <a:effectRef idx="0">
-            <a:schemeClr val="accent1"/>
-          </a:effectRef>
-          <a:fontRef idx="minor">
-            <a:schemeClr val="tx1"/>
-          </a:fontRef>
-        </p:style>
-      </p:cxnSp>
-      <p:cxnSp>
-        <p:nvCxnSpPr>
-          <p:cNvPr id="137" name="直接箭头连接符 136"/>
-          <p:cNvCxnSpPr/>
-          <p:nvPr/>
-        </p:nvCxnSpPr>
-        <p:spPr>
-          <a:xfrm>
-            <a:off x="3555523" y="1878122"/>
-            <a:ext cx="0" cy="207630"/>
-          </a:xfrm>
-          <a:prstGeom prst="straightConnector1">
-            <a:avLst/>
-          </a:prstGeom>
-          <a:ln w="12700">
-            <a:solidFill>
-              <a:srgbClr val="525252"/>
-            </a:solidFill>
-            <a:tailEnd type="triangle" w="sm" len="med"/>
-          </a:ln>
-        </p:spPr>
-        <p:style>
-          <a:lnRef idx="1">
-            <a:schemeClr val="accent1"/>
-          </a:lnRef>
-          <a:fillRef idx="0">
-            <a:schemeClr val="accent1"/>
-          </a:fillRef>
-          <a:effectRef idx="0">
-            <a:schemeClr val="accent1"/>
-          </a:effectRef>
-          <a:fontRef idx="minor">
-            <a:schemeClr val="tx1"/>
-          </a:fontRef>
-        </p:style>
-      </p:cxnSp>
-      <p:cxnSp>
-        <p:nvCxnSpPr>
-          <p:cNvPr id="141" name="直接箭头连接符 140"/>
-          <p:cNvCxnSpPr/>
-          <p:nvPr/>
-        </p:nvCxnSpPr>
-        <p:spPr>
-          <a:xfrm>
-            <a:off x="832466" y="1385246"/>
-            <a:ext cx="191115" cy="0"/>
-          </a:xfrm>
-          <a:prstGeom prst="straightConnector1">
-            <a:avLst/>
-          </a:prstGeom>
-          <a:ln w="12700">
-            <a:solidFill>
-              <a:srgbClr val="525252"/>
-            </a:solidFill>
-            <a:tailEnd type="triangle" w="sm" len="med"/>
-          </a:ln>
-        </p:spPr>
-        <p:style>
-          <a:lnRef idx="1">
-            <a:schemeClr val="accent1"/>
-          </a:lnRef>
-          <a:fillRef idx="0">
-            <a:schemeClr val="accent1"/>
-          </a:fillRef>
-          <a:effectRef idx="0">
-            <a:schemeClr val="accent1"/>
-          </a:effectRef>
-          <a:fontRef idx="minor">
-            <a:schemeClr val="tx1"/>
-          </a:fontRef>
-        </p:style>
-      </p:cxnSp>
-      <p:cxnSp>
-        <p:nvCxnSpPr>
-          <p:cNvPr id="142" name="直接箭头连接符 141"/>
-          <p:cNvCxnSpPr>
-            <a:stCxn id="84" idx="2"/>
-          </p:cNvCxnSpPr>
-          <p:nvPr/>
-        </p:nvCxnSpPr>
-        <p:spPr>
-          <a:xfrm>
-            <a:off x="758071" y="1499540"/>
-            <a:ext cx="229207" cy="323739"/>
-          </a:xfrm>
-          <a:prstGeom prst="straightConnector1">
-            <a:avLst/>
-          </a:prstGeom>
-          <a:ln w="12700">
-            <a:solidFill>
-              <a:srgbClr val="525252"/>
-            </a:solidFill>
-            <a:tailEnd type="triangle" w="sm" len="med"/>
-          </a:ln>
-        </p:spPr>
-        <p:style>
-          <a:lnRef idx="1">
-            <a:schemeClr val="accent1"/>
-          </a:lnRef>
-          <a:fillRef idx="0">
-            <a:schemeClr val="accent1"/>
-          </a:fillRef>
-          <a:effectRef idx="0">
-            <a:schemeClr val="accent1"/>
-          </a:effectRef>
-          <a:fontRef idx="minor">
-            <a:schemeClr val="tx1"/>
-          </a:fontRef>
-        </p:style>
-      </p:cxnSp>
-      <p:sp>
-        <p:nvSpPr>
-          <p:cNvPr id="145" name="矩形 144"/>
-          <p:cNvSpPr/>
-          <p:nvPr/>
-        </p:nvSpPr>
-        <p:spPr>
-          <a:xfrm>
-            <a:off x="683525" y="2849478"/>
-            <a:ext cx="300249" cy="176693"/>
-          </a:xfrm>
-          <a:prstGeom prst="rect">
-            <a:avLst/>
-          </a:prstGeom>
-          <a:solidFill>
-            <a:srgbClr val="FF8C00"/>
-          </a:solidFill>
-          <a:ln>
-            <a:solidFill>
-              <a:srgbClr val="D83B01"/>
-            </a:solidFill>
-          </a:ln>
-        </p:spPr>
-        <p:style>
-          <a:lnRef idx="2">
-            <a:schemeClr val="accent1">
-              <a:shade val="50000"/>
-            </a:schemeClr>
-          </a:lnRef>
-          <a:fillRef idx="1">
-            <a:schemeClr val="accent1"/>
-          </a:fillRef>
-          <a:effectRef idx="0">
-            <a:schemeClr val="accent1"/>
-          </a:effectRef>
-          <a:fontRef idx="minor">
-            <a:schemeClr val="lt1"/>
-          </a:fontRef>
-        </p:style>
-        <p:txBody>
-          <a:bodyPr lIns="0" tIns="0" rIns="0" bIns="0" rtlCol="0" anchor="ctr"/>
-          <a:lstStyle/>
-          <a:p>
-            <a:pPr algn="ctr"/>
-            <a:r>
-              <a:rPr lang="en-US" altLang="zh-CN" sz="1100" dirty="0" err="1" smtClean="0"/>
-              <a:t>FP</a:t>
-            </a:r>
-            <a:r>
-              <a:rPr lang="en-US" altLang="zh-CN" sz="1100" baseline="-25000" dirty="0" err="1" smtClean="0"/>
-              <a:t>i</a:t>
-            </a:r>
-            <a:endParaRPr lang="zh-CN" altLang="en-US" sz="1100" baseline="-25000" dirty="0"/>
-          </a:p>
-        </p:txBody>
-      </p:sp>
-      <p:sp>
-        <p:nvSpPr>
-          <p:cNvPr id="146" name="矩形 145"/>
-          <p:cNvSpPr/>
-          <p:nvPr/>
-        </p:nvSpPr>
-        <p:spPr>
-          <a:xfrm>
-            <a:off x="683525" y="3266997"/>
-            <a:ext cx="300249" cy="176693"/>
-          </a:xfrm>
-          <a:prstGeom prst="rect">
-            <a:avLst/>
-          </a:prstGeom>
-          <a:solidFill>
-            <a:srgbClr val="00BCF2"/>
-          </a:solidFill>
-          <a:ln>
-            <a:solidFill>
-              <a:srgbClr val="0078D7"/>
-            </a:solidFill>
-          </a:ln>
-        </p:spPr>
-        <p:style>
-          <a:lnRef idx="2">
-            <a:schemeClr val="accent1">
-              <a:shade val="50000"/>
-            </a:schemeClr>
-          </a:lnRef>
-          <a:fillRef idx="1">
-            <a:schemeClr val="accent1"/>
-          </a:fillRef>
-          <a:effectRef idx="0">
-            <a:schemeClr val="accent1"/>
-          </a:effectRef>
-          <a:fontRef idx="minor">
-            <a:schemeClr val="lt1"/>
-          </a:fontRef>
-        </p:style>
-        <p:txBody>
-          <a:bodyPr lIns="0" tIns="0" rIns="0" bIns="0" rtlCol="0" anchor="ctr"/>
-          <a:lstStyle/>
-          <a:p>
-            <a:pPr algn="ctr"/>
-            <a:r>
-              <a:rPr lang="en-US" altLang="zh-CN" sz="1100" dirty="0" err="1" smtClean="0"/>
-              <a:t>WG</a:t>
-            </a:r>
-            <a:r>
-              <a:rPr lang="en-US" altLang="zh-CN" sz="1100" baseline="-25000" dirty="0" err="1" smtClean="0"/>
-              <a:t>i</a:t>
-            </a:r>
-            <a:endParaRPr lang="zh-CN" altLang="en-US" sz="1100" baseline="-25000" dirty="0"/>
-          </a:p>
-        </p:txBody>
-      </p:sp>
-      <p:sp>
-        <p:nvSpPr>
-          <p:cNvPr id="147" name="矩形 146"/>
-          <p:cNvSpPr/>
-          <p:nvPr/>
-        </p:nvSpPr>
-        <p:spPr>
-          <a:xfrm>
-            <a:off x="2164359" y="2843547"/>
-            <a:ext cx="300249" cy="176694"/>
-          </a:xfrm>
-          <a:prstGeom prst="rect">
-            <a:avLst/>
-          </a:prstGeom>
-          <a:solidFill>
-            <a:srgbClr val="00B294"/>
-          </a:solidFill>
-          <a:ln>
-            <a:solidFill>
-              <a:srgbClr val="004B50"/>
-            </a:solidFill>
-          </a:ln>
-        </p:spPr>
-        <p:style>
-          <a:lnRef idx="2">
-            <a:schemeClr val="accent1">
-              <a:shade val="50000"/>
-            </a:schemeClr>
-          </a:lnRef>
-          <a:fillRef idx="1">
-            <a:schemeClr val="accent1"/>
-          </a:fillRef>
-          <a:effectRef idx="0">
-            <a:schemeClr val="accent1"/>
-          </a:effectRef>
-          <a:fontRef idx="minor">
-            <a:schemeClr val="lt1"/>
-          </a:fontRef>
-        </p:style>
-        <p:txBody>
-          <a:bodyPr lIns="0" tIns="0" rIns="0" bIns="0" rtlCol="0" anchor="ctr"/>
-          <a:lstStyle/>
-          <a:p>
-            <a:pPr algn="ctr"/>
-            <a:r>
-              <a:rPr lang="en-US" altLang="zh-CN" sz="1100" dirty="0" err="1" smtClean="0"/>
-              <a:t>EB</a:t>
-            </a:r>
-            <a:r>
-              <a:rPr lang="en-US" altLang="zh-CN" sz="1100" baseline="-25000" dirty="0" err="1" smtClean="0"/>
-              <a:t>i</a:t>
-            </a:r>
-            <a:endParaRPr lang="zh-CN" altLang="en-US" sz="1100" baseline="-25000" dirty="0"/>
-          </a:p>
-        </p:txBody>
-      </p:sp>
-      <mc:AlternateContent xmlns:mc="http://schemas.openxmlformats.org/markup-compatibility/2006">
-        <mc:Choice xmlns:a14="http://schemas.microsoft.com/office/drawing/2010/main" Requires="a14">
-          <p:sp>
-            <p:nvSpPr>
-              <p:cNvPr id="151" name="文本框 150"/>
-              <p:cNvSpPr txBox="1"/>
-              <p:nvPr/>
-            </p:nvSpPr>
-            <p:spPr>
-              <a:xfrm>
-                <a:off x="1069496" y="2857646"/>
-                <a:ext cx="944105" cy="153888"/>
-              </a:xfrm>
-              <a:prstGeom prst="rect">
-                <a:avLst/>
-              </a:prstGeom>
-              <a:noFill/>
-            </p:spPr>
-            <p:txBody>
-              <a:bodyPr wrap="none" lIns="0" tIns="0" rIns="0" bIns="0" rtlCol="0">
-                <a:spAutoFit/>
-              </a:bodyPr>
-              <a:lstStyle/>
-              <a:p>
-                <a14:m>
-                  <m:oMathPara xmlns:m="http://schemas.openxmlformats.org/officeDocument/2006/math">
-                    <m:oMathParaPr>
-                      <m:jc m:val="centerGroup"/>
-                    </m:oMathParaPr>
-                    <m:oMath xmlns:m="http://schemas.openxmlformats.org/officeDocument/2006/math">
-                      <m:sSub>
-                        <m:sSubPr>
-                          <m:ctrlPr>
-                            <a:rPr lang="en-US" altLang="zh-CN" sz="1000" b="1" i="1" smtClean="0">
-                              <a:latin typeface="Cambria Math" panose="02040503050406030204" pitchFamily="18" charset="0"/>
-                            </a:rPr>
-                          </m:ctrlPr>
-                        </m:sSubPr>
-                        <m:e>
-                          <m:r>
-                            <a:rPr lang="en-US" altLang="zh-CN" sz="1000" b="1" i="1" smtClean="0">
-                              <a:latin typeface="Cambria Math" panose="02040503050406030204" pitchFamily="18" charset="0"/>
-                            </a:rPr>
-                            <m:t>𝒚</m:t>
-                          </m:r>
-                        </m:e>
-                        <m:sub>
-                          <m:r>
-                            <a:rPr lang="en-US" altLang="zh-CN" sz="1000" b="1" i="1" smtClean="0">
-                              <a:latin typeface="Cambria Math" panose="02040503050406030204" pitchFamily="18" charset="0"/>
-                            </a:rPr>
-                            <m:t>𝒊</m:t>
-                          </m:r>
-                        </m:sub>
-                      </m:sSub>
-                      <m:r>
-                        <a:rPr lang="en-US" altLang="zh-CN" sz="1000" b="0" i="1" smtClean="0">
-                          <a:latin typeface="Cambria Math" panose="02040503050406030204" pitchFamily="18" charset="0"/>
-                        </a:rPr>
-                        <m:t>=</m:t>
-                      </m:r>
-                      <m:sSub>
-                        <m:sSubPr>
-                          <m:ctrlPr>
-                            <a:rPr lang="en-US" altLang="zh-CN" sz="1000" b="0" i="1" smtClean="0">
-                              <a:latin typeface="Cambria Math" panose="02040503050406030204" pitchFamily="18" charset="0"/>
-                            </a:rPr>
-                          </m:ctrlPr>
-                        </m:sSubPr>
-                        <m:e>
-                          <m:r>
-                            <a:rPr lang="en-US" altLang="zh-CN" sz="1000" b="0" i="1" smtClean="0">
-                              <a:latin typeface="Cambria Math" panose="02040503050406030204" pitchFamily="18" charset="0"/>
-                            </a:rPr>
-                            <m:t>𝑓</m:t>
-                          </m:r>
-                        </m:e>
-                        <m:sub>
-                          <m:r>
-                            <a:rPr lang="en-US" altLang="zh-CN" sz="1000" b="0" i="1" smtClean="0">
-                              <a:latin typeface="Cambria Math" panose="02040503050406030204" pitchFamily="18" charset="0"/>
-                            </a:rPr>
-                            <m:t>𝑖</m:t>
-                          </m:r>
-                        </m:sub>
-                      </m:sSub>
-                      <m:r>
-                        <a:rPr lang="en-US" altLang="zh-CN" sz="1000" b="0" i="1" smtClean="0">
-                          <a:latin typeface="Cambria Math" panose="02040503050406030204" pitchFamily="18" charset="0"/>
-                        </a:rPr>
-                        <m:t>(</m:t>
-                      </m:r>
-                      <m:sSub>
-                        <m:sSubPr>
-                          <m:ctrlPr>
-                            <a:rPr lang="en-US" altLang="zh-CN" sz="1000" b="1" i="1" smtClean="0">
-                              <a:latin typeface="Cambria Math" panose="02040503050406030204" pitchFamily="18" charset="0"/>
-                            </a:rPr>
-                          </m:ctrlPr>
-                        </m:sSubPr>
-                        <m:e>
-                          <m:r>
-                            <a:rPr lang="en-US" altLang="zh-CN" sz="1000" b="1" i="1" smtClean="0">
-                              <a:latin typeface="Cambria Math" panose="02040503050406030204" pitchFamily="18" charset="0"/>
-                            </a:rPr>
-                            <m:t>𝒚</m:t>
-                          </m:r>
-                        </m:e>
-                        <m:sub>
-                          <m:r>
-                            <a:rPr lang="en-US" altLang="zh-CN" sz="1000" b="1" i="1" smtClean="0">
-                              <a:latin typeface="Cambria Math" panose="02040503050406030204" pitchFamily="18" charset="0"/>
-                            </a:rPr>
-                            <m:t>𝒊</m:t>
-                          </m:r>
-                          <m:r>
-                            <a:rPr lang="en-US" altLang="zh-CN" sz="1000" b="1" i="1" smtClean="0">
-                              <a:latin typeface="Cambria Math" panose="02040503050406030204" pitchFamily="18" charset="0"/>
-                            </a:rPr>
-                            <m:t>−</m:t>
-                          </m:r>
-                          <m:r>
-                            <a:rPr lang="en-US" altLang="zh-CN" sz="1000" b="1" i="1" smtClean="0">
-                              <a:latin typeface="Cambria Math" panose="02040503050406030204" pitchFamily="18" charset="0"/>
-                            </a:rPr>
-                            <m:t>𝟏</m:t>
-                          </m:r>
-                        </m:sub>
-                      </m:sSub>
-                      <m:r>
-                        <a:rPr lang="en-US" altLang="zh-CN" sz="1000" b="0" i="1" smtClean="0">
-                          <a:latin typeface="Cambria Math" panose="02040503050406030204" pitchFamily="18" charset="0"/>
-                        </a:rPr>
-                        <m:t>,</m:t>
-                      </m:r>
-                      <m:sSub>
-                        <m:sSubPr>
-                          <m:ctrlPr>
-                            <a:rPr lang="en-US" altLang="zh-CN" sz="1000" b="0" i="1" smtClean="0">
-                              <a:latin typeface="Cambria Math" panose="02040503050406030204" pitchFamily="18" charset="0"/>
-                            </a:rPr>
-                          </m:ctrlPr>
-                        </m:sSubPr>
-                        <m:e>
-                          <m:r>
-                            <a:rPr lang="en-US" altLang="zh-CN" sz="1000" b="0" i="1" smtClean="0">
-                              <a:latin typeface="Cambria Math" panose="02040503050406030204" pitchFamily="18" charset="0"/>
-                            </a:rPr>
-                            <m:t>𝑊</m:t>
-                          </m:r>
-                        </m:e>
-                        <m:sub>
-                          <m:r>
-                            <a:rPr lang="en-US" altLang="zh-CN" sz="1000" b="0" i="1" smtClean="0">
-                              <a:latin typeface="Cambria Math" panose="02040503050406030204" pitchFamily="18" charset="0"/>
-                            </a:rPr>
-                            <m:t>𝑖</m:t>
-                          </m:r>
-                        </m:sub>
-                      </m:sSub>
-                      <m:r>
-                        <a:rPr lang="en-US" altLang="zh-CN" sz="1000" b="0" i="1" smtClean="0">
-                          <a:latin typeface="Cambria Math" panose="02040503050406030204" pitchFamily="18" charset="0"/>
-                        </a:rPr>
-                        <m:t>)</m:t>
-                      </m:r>
-                    </m:oMath>
-                  </m:oMathPara>
-                </a14:m>
-                <a:endParaRPr lang="zh-CN" altLang="en-US" sz="1000" dirty="0"/>
-              </a:p>
-            </p:txBody>
-          </p:sp>
-        </mc:Choice>
-        <mc:Fallback>
-          <p:sp>
-            <p:nvSpPr>
-              <p:cNvPr id="151" name="文本框 150"/>
-              <p:cNvSpPr txBox="1">
-                <a:spLocks noRot="1" noChangeAspect="1" noMove="1" noResize="1" noEditPoints="1" noAdjustHandles="1" noChangeArrowheads="1" noChangeShapeType="1" noTextEdit="1"/>
-              </p:cNvSpPr>
-              <p:nvPr/>
-            </p:nvSpPr>
-            <p:spPr>
-              <a:xfrm>
-                <a:off x="1069496" y="2857646"/>
-                <a:ext cx="944105" cy="153888"/>
-              </a:xfrm>
-              <a:prstGeom prst="rect">
-                <a:avLst/>
-              </a:prstGeom>
-              <a:blipFill>
-                <a:blip r:embed="rId6"/>
-                <a:stretch>
-                  <a:fillRect l="-2581" t="-4000" r="-5161" b="-40000"/>
-                </a:stretch>
-              </a:blipFill>
-            </p:spPr>
-            <p:txBody>
-              <a:bodyPr/>
-              <a:lstStyle/>
-              <a:p>
-                <a:r>
-                  <a:rPr lang="zh-CN" altLang="en-US">
-                    <a:noFill/>
-                  </a:rPr>
-                  <a:t> </a:t>
-                </a:r>
-              </a:p>
-            </p:txBody>
-          </p:sp>
-        </mc:Fallback>
-      </mc:AlternateContent>
-      <mc:AlternateContent xmlns:mc="http://schemas.openxmlformats.org/markup-compatibility/2006">
-        <mc:Choice xmlns:a14="http://schemas.microsoft.com/office/drawing/2010/main" Requires="a14">
-          <p:sp>
-            <p:nvSpPr>
-              <p:cNvPr id="152" name="文本框 151"/>
-              <p:cNvSpPr txBox="1"/>
-              <p:nvPr/>
-            </p:nvSpPr>
-            <p:spPr>
-              <a:xfrm>
-                <a:off x="1023581" y="3195587"/>
-                <a:ext cx="847347" cy="318998"/>
-              </a:xfrm>
-              <a:prstGeom prst="rect">
-                <a:avLst/>
-              </a:prstGeom>
-              <a:noFill/>
-            </p:spPr>
-            <p:txBody>
-              <a:bodyPr wrap="none" lIns="0" tIns="0" rIns="0" bIns="0" rtlCol="0">
-                <a:spAutoFit/>
-              </a:bodyPr>
-              <a:lstStyle/>
-              <a:p>
-                <a14:m>
-                  <m:oMathPara xmlns:m="http://schemas.openxmlformats.org/officeDocument/2006/math">
-                    <m:oMathParaPr>
-                      <m:jc m:val="centerGroup"/>
-                    </m:oMathParaPr>
-                    <m:oMath xmlns:m="http://schemas.openxmlformats.org/officeDocument/2006/math">
-                      <m:f>
-                        <m:fPr>
-                          <m:ctrlPr>
-                            <a:rPr lang="en-US" altLang="zh-CN" sz="1000" i="1" smtClean="0">
-                              <a:latin typeface="Cambria Math" panose="02040503050406030204" pitchFamily="18" charset="0"/>
-                            </a:rPr>
-                          </m:ctrlPr>
-                        </m:fPr>
-                        <m:num>
-                          <m:r>
-                            <a:rPr lang="zh-CN" altLang="en-US" sz="1000" i="1" smtClean="0">
-                              <a:latin typeface="Cambria Math" panose="02040503050406030204" pitchFamily="18" charset="0"/>
-                            </a:rPr>
-                            <m:t>𝜕</m:t>
-                          </m:r>
-                          <m:r>
-                            <a:rPr lang="en-US" altLang="zh-CN" sz="1000" b="0" i="1" smtClean="0">
-                              <a:latin typeface="Cambria Math" panose="02040503050406030204" pitchFamily="18" charset="0"/>
-                            </a:rPr>
-                            <m:t>𝐸</m:t>
-                          </m:r>
-                        </m:num>
-                        <m:den>
-                          <m:r>
-                            <a:rPr lang="zh-CN" altLang="en-US" sz="1000" i="1" smtClean="0">
-                              <a:latin typeface="Cambria Math" panose="02040503050406030204" pitchFamily="18" charset="0"/>
-                            </a:rPr>
-                            <m:t>𝜕</m:t>
-                          </m:r>
-                          <m:sSub>
-                            <m:sSubPr>
-                              <m:ctrlPr>
-                                <a:rPr lang="en-US" altLang="zh-CN" sz="1000" i="1" smtClean="0">
-                                  <a:latin typeface="Cambria Math" panose="02040503050406030204" pitchFamily="18" charset="0"/>
-                                </a:rPr>
-                              </m:ctrlPr>
-                            </m:sSubPr>
-                            <m:e>
-                              <m:r>
-                                <a:rPr lang="en-US" altLang="zh-CN" sz="1000" b="0" i="1" smtClean="0">
-                                  <a:latin typeface="Cambria Math" panose="02040503050406030204" pitchFamily="18" charset="0"/>
-                                </a:rPr>
-                                <m:t>𝑊</m:t>
-                              </m:r>
-                            </m:e>
-                            <m:sub>
-                              <m:r>
-                                <a:rPr lang="en-US" altLang="zh-CN" sz="1000" b="0" i="1" smtClean="0">
-                                  <a:latin typeface="Cambria Math" panose="02040503050406030204" pitchFamily="18" charset="0"/>
-                                </a:rPr>
-                                <m:t>𝑖</m:t>
-                              </m:r>
-                            </m:sub>
-                          </m:sSub>
-                        </m:den>
-                      </m:f>
-                      <m:r>
-                        <a:rPr lang="en-US" altLang="zh-CN" sz="1000" b="0" i="1" smtClean="0">
-                          <a:latin typeface="Cambria Math" panose="02040503050406030204" pitchFamily="18" charset="0"/>
-                        </a:rPr>
-                        <m:t>=</m:t>
-                      </m:r>
-                      <m:f>
-                        <m:fPr>
-                          <m:ctrlPr>
-                            <a:rPr lang="en-US" altLang="zh-CN" sz="1000" i="1">
-                              <a:latin typeface="Cambria Math" panose="02040503050406030204" pitchFamily="18" charset="0"/>
-                            </a:rPr>
-                          </m:ctrlPr>
-                        </m:fPr>
-                        <m:num>
-                          <m:r>
-                            <a:rPr lang="zh-CN" altLang="en-US" sz="1000" i="1">
-                              <a:latin typeface="Cambria Math" panose="02040503050406030204" pitchFamily="18" charset="0"/>
-                            </a:rPr>
-                            <m:t>𝜕</m:t>
-                          </m:r>
-                          <m:r>
-                            <a:rPr lang="en-US" altLang="zh-CN" sz="1000" i="1">
-                              <a:latin typeface="Cambria Math" panose="02040503050406030204" pitchFamily="18" charset="0"/>
-                            </a:rPr>
-                            <m:t>𝐸</m:t>
-                          </m:r>
-                        </m:num>
-                        <m:den>
-                          <m:r>
-                            <a:rPr lang="zh-CN" altLang="en-US" sz="1000" i="1">
-                              <a:latin typeface="Cambria Math" panose="02040503050406030204" pitchFamily="18" charset="0"/>
-                            </a:rPr>
-                            <m:t>𝜕</m:t>
-                          </m:r>
-                          <m:sSub>
-                            <m:sSubPr>
-                              <m:ctrlPr>
-                                <a:rPr lang="en-US" altLang="zh-CN" sz="1000" b="1" i="1">
-                                  <a:latin typeface="Cambria Math" panose="02040503050406030204" pitchFamily="18" charset="0"/>
-                                </a:rPr>
-                              </m:ctrlPr>
-                            </m:sSubPr>
-                            <m:e>
-                              <m:r>
-                                <a:rPr lang="en-US" altLang="zh-CN" sz="1000" b="1" i="1" smtClean="0">
-                                  <a:latin typeface="Cambria Math" panose="02040503050406030204" pitchFamily="18" charset="0"/>
-                                </a:rPr>
-                                <m:t>𝒚</m:t>
-                              </m:r>
-                            </m:e>
-                            <m:sub>
-                              <m:r>
-                                <a:rPr lang="en-US" altLang="zh-CN" sz="1000" b="1" i="1">
-                                  <a:latin typeface="Cambria Math" panose="02040503050406030204" pitchFamily="18" charset="0"/>
-                                </a:rPr>
-                                <m:t>𝒊</m:t>
-                              </m:r>
-                            </m:sub>
-                          </m:sSub>
-                        </m:den>
-                      </m:f>
-                      <m:f>
-                        <m:fPr>
-                          <m:ctrlPr>
-                            <a:rPr lang="en-US" altLang="zh-CN" sz="1000" i="1" smtClean="0">
-                              <a:latin typeface="Cambria Math" panose="02040503050406030204" pitchFamily="18" charset="0"/>
-                            </a:rPr>
-                          </m:ctrlPr>
-                        </m:fPr>
-                        <m:num>
-                          <m:r>
-                            <a:rPr lang="zh-CN" altLang="en-US" sz="1000" i="1" smtClean="0">
-                              <a:latin typeface="Cambria Math" panose="02040503050406030204" pitchFamily="18" charset="0"/>
-                            </a:rPr>
-                            <m:t>𝜕</m:t>
-                          </m:r>
-                          <m:sSub>
-                            <m:sSubPr>
-                              <m:ctrlPr>
-                                <a:rPr lang="en-US" altLang="zh-CN" sz="1000" b="1" i="1">
-                                  <a:latin typeface="Cambria Math" panose="02040503050406030204" pitchFamily="18" charset="0"/>
-                                </a:rPr>
-                              </m:ctrlPr>
-                            </m:sSubPr>
-                            <m:e>
-                              <m:r>
-                                <a:rPr lang="en-US" altLang="zh-CN" sz="1000" b="1" i="1">
-                                  <a:latin typeface="Cambria Math" panose="02040503050406030204" pitchFamily="18" charset="0"/>
-                                </a:rPr>
-                                <m:t>𝒚</m:t>
-                              </m:r>
-                            </m:e>
-                            <m:sub>
-                              <m:r>
-                                <a:rPr lang="en-US" altLang="zh-CN" sz="1000" b="1" i="1">
-                                  <a:latin typeface="Cambria Math" panose="02040503050406030204" pitchFamily="18" charset="0"/>
-                                </a:rPr>
-                                <m:t>𝒊</m:t>
-                              </m:r>
-                            </m:sub>
-                          </m:sSub>
-                        </m:num>
-                        <m:den>
-                          <m:r>
-                            <a:rPr lang="zh-CN" altLang="en-US" sz="1000" i="1" smtClean="0">
-                              <a:latin typeface="Cambria Math" panose="02040503050406030204" pitchFamily="18" charset="0"/>
-                            </a:rPr>
-                            <m:t>𝜕</m:t>
-                          </m:r>
-                          <m:sSub>
-                            <m:sSubPr>
-                              <m:ctrlPr>
-                                <a:rPr lang="en-US" altLang="zh-CN" sz="1000" i="1" smtClean="0">
-                                  <a:latin typeface="Cambria Math" panose="02040503050406030204" pitchFamily="18" charset="0"/>
-                                </a:rPr>
-                              </m:ctrlPr>
-                            </m:sSubPr>
-                            <m:e>
-                              <m:r>
-                                <a:rPr lang="en-US" altLang="zh-CN" sz="1000" b="0" i="1" smtClean="0">
-                                  <a:latin typeface="Cambria Math" panose="02040503050406030204" pitchFamily="18" charset="0"/>
-                                </a:rPr>
-                                <m:t>𝑊</m:t>
-                              </m:r>
-                            </m:e>
-                            <m:sub>
-                              <m:r>
-                                <a:rPr lang="en-US" altLang="zh-CN" sz="1000" b="0" i="1" smtClean="0">
-                                  <a:latin typeface="Cambria Math" panose="02040503050406030204" pitchFamily="18" charset="0"/>
-                                </a:rPr>
-                                <m:t>𝑖</m:t>
-                              </m:r>
-                            </m:sub>
-                          </m:sSub>
-                        </m:den>
-                      </m:f>
-                    </m:oMath>
-                  </m:oMathPara>
-                </a14:m>
-                <a:endParaRPr lang="zh-CN" altLang="en-US" sz="1000" dirty="0"/>
-              </a:p>
-            </p:txBody>
-          </p:sp>
-        </mc:Choice>
-        <mc:Fallback>
-          <p:sp>
-            <p:nvSpPr>
-              <p:cNvPr id="152" name="文本框 151"/>
-              <p:cNvSpPr txBox="1">
-                <a:spLocks noRot="1" noChangeAspect="1" noMove="1" noResize="1" noEditPoints="1" noAdjustHandles="1" noChangeArrowheads="1" noChangeShapeType="1" noTextEdit="1"/>
-              </p:cNvSpPr>
-              <p:nvPr/>
-            </p:nvSpPr>
-            <p:spPr>
-              <a:xfrm>
-                <a:off x="1023581" y="3195587"/>
-                <a:ext cx="847347" cy="318998"/>
-              </a:xfrm>
-              <a:prstGeom prst="rect">
-                <a:avLst/>
-              </a:prstGeom>
-              <a:blipFill>
-                <a:blip r:embed="rId7"/>
-                <a:stretch>
-                  <a:fillRect l="-3597" t="-3774" b="-11321"/>
-                </a:stretch>
-              </a:blipFill>
-            </p:spPr>
-            <p:txBody>
-              <a:bodyPr/>
-              <a:lstStyle/>
-              <a:p>
-                <a:r>
-                  <a:rPr lang="zh-CN" altLang="en-US">
-                    <a:noFill/>
-                  </a:rPr>
-                  <a:t> </a:t>
-                </a:r>
-              </a:p>
-            </p:txBody>
-          </p:sp>
-        </mc:Fallback>
-      </mc:AlternateContent>
-      <mc:AlternateContent xmlns:mc="http://schemas.openxmlformats.org/markup-compatibility/2006">
-        <mc:Choice xmlns:a14="http://schemas.microsoft.com/office/drawing/2010/main" Requires="a14">
-          <p:sp>
-            <p:nvSpPr>
-              <p:cNvPr id="153" name="文本框 152"/>
-              <p:cNvSpPr txBox="1"/>
-              <p:nvPr/>
-            </p:nvSpPr>
-            <p:spPr>
-              <a:xfrm>
-                <a:off x="1939232" y="3195779"/>
-                <a:ext cx="996235" cy="318613"/>
-              </a:xfrm>
-              <a:prstGeom prst="rect">
-                <a:avLst/>
-              </a:prstGeom>
-              <a:noFill/>
-            </p:spPr>
-            <p:txBody>
-              <a:bodyPr wrap="none" lIns="0" tIns="0" rIns="0" bIns="0" rtlCol="0">
-                <a:spAutoFit/>
-              </a:bodyPr>
-              <a:lstStyle/>
-              <a:p>
-                <a14:m>
-                  <m:oMathPara xmlns:m="http://schemas.openxmlformats.org/officeDocument/2006/math">
-                    <m:oMathParaPr>
-                      <m:jc m:val="centerGroup"/>
-                    </m:oMathParaPr>
-                    <m:oMath xmlns:m="http://schemas.openxmlformats.org/officeDocument/2006/math">
-                      <m:sSubSup>
-                        <m:sSubSupPr>
-                          <m:ctrlPr>
-                            <a:rPr lang="en-US" altLang="zh-CN" sz="1000" b="0" i="1" smtClean="0">
-                              <a:latin typeface="Cambria Math" panose="02040503050406030204" pitchFamily="18" charset="0"/>
-                            </a:rPr>
-                          </m:ctrlPr>
-                        </m:sSubSupPr>
-                        <m:e>
-                          <m:r>
-                            <a:rPr lang="en-US" altLang="zh-CN" sz="1000" b="0" i="1" smtClean="0">
-                              <a:latin typeface="Cambria Math" panose="02040503050406030204" pitchFamily="18" charset="0"/>
-                            </a:rPr>
-                            <m:t>𝑊</m:t>
-                          </m:r>
-                        </m:e>
-                        <m:sub>
-                          <m:r>
-                            <a:rPr lang="en-US" altLang="zh-CN" sz="1000" b="0" i="1" smtClean="0">
-                              <a:latin typeface="Cambria Math" panose="02040503050406030204" pitchFamily="18" charset="0"/>
-                            </a:rPr>
-                            <m:t>𝑖</m:t>
-                          </m:r>
-                        </m:sub>
-                        <m:sup>
-                          <m:r>
-                            <a:rPr lang="en-US" altLang="zh-CN" sz="1000" b="0" i="1" smtClean="0">
-                              <a:latin typeface="Cambria Math" panose="02040503050406030204" pitchFamily="18" charset="0"/>
-                            </a:rPr>
-                            <m:t>∗</m:t>
-                          </m:r>
-                        </m:sup>
-                      </m:sSubSup>
-                      <m:r>
-                        <a:rPr lang="en-US" altLang="zh-CN" sz="1000" b="0" i="1" smtClean="0">
-                          <a:latin typeface="Cambria Math" panose="02040503050406030204" pitchFamily="18" charset="0"/>
-                        </a:rPr>
-                        <m:t>=</m:t>
-                      </m:r>
-                      <m:sSub>
-                        <m:sSubPr>
-                          <m:ctrlPr>
-                            <a:rPr lang="en-US" altLang="zh-CN" sz="1000" b="0" i="1" smtClean="0">
-                              <a:latin typeface="Cambria Math" panose="02040503050406030204" pitchFamily="18" charset="0"/>
-                            </a:rPr>
-                          </m:ctrlPr>
-                        </m:sSubPr>
-                        <m:e>
-                          <m:r>
-                            <a:rPr lang="en-US" altLang="zh-CN" sz="1000" b="0" i="1" smtClean="0">
-                              <a:latin typeface="Cambria Math" panose="02040503050406030204" pitchFamily="18" charset="0"/>
-                            </a:rPr>
-                            <m:t>𝑊</m:t>
-                          </m:r>
-                        </m:e>
-                        <m:sub>
-                          <m:r>
-                            <a:rPr lang="en-US" altLang="zh-CN" sz="1000" b="0" i="1" smtClean="0">
-                              <a:latin typeface="Cambria Math" panose="02040503050406030204" pitchFamily="18" charset="0"/>
-                            </a:rPr>
-                            <m:t>𝑖</m:t>
-                          </m:r>
-                        </m:sub>
-                      </m:sSub>
-                      <m:r>
-                        <a:rPr lang="en-US" altLang="zh-CN" sz="1000" i="1" smtClean="0">
-                          <a:latin typeface="Cambria Math" panose="02040503050406030204" pitchFamily="18" charset="0"/>
-                          <a:ea typeface="Cambria Math" panose="02040503050406030204" pitchFamily="18" charset="0"/>
-                        </a:rPr>
-                        <m:t>−</m:t>
-                      </m:r>
-                      <m:r>
-                        <a:rPr lang="zh-CN" altLang="en-US" sz="1000" b="0" i="1" smtClean="0">
-                          <a:latin typeface="Cambria Math" panose="02040503050406030204" pitchFamily="18" charset="0"/>
-                        </a:rPr>
-                        <m:t>𝛼</m:t>
-                      </m:r>
-                      <m:f>
-                        <m:fPr>
-                          <m:ctrlPr>
-                            <a:rPr lang="en-US" altLang="zh-CN" sz="1000" i="1">
-                              <a:latin typeface="Cambria Math" panose="02040503050406030204" pitchFamily="18" charset="0"/>
-                            </a:rPr>
-                          </m:ctrlPr>
-                        </m:fPr>
-                        <m:num>
-                          <m:r>
-                            <a:rPr lang="zh-CN" altLang="en-US" sz="1000" i="1">
-                              <a:latin typeface="Cambria Math" panose="02040503050406030204" pitchFamily="18" charset="0"/>
-                            </a:rPr>
-                            <m:t>𝜕</m:t>
-                          </m:r>
-                          <m:r>
-                            <a:rPr lang="en-US" altLang="zh-CN" sz="1000" i="1">
-                              <a:latin typeface="Cambria Math" panose="02040503050406030204" pitchFamily="18" charset="0"/>
-                            </a:rPr>
-                            <m:t>𝐸</m:t>
-                          </m:r>
-                        </m:num>
-                        <m:den>
-                          <m:r>
-                            <a:rPr lang="zh-CN" altLang="en-US" sz="1000" i="1">
-                              <a:latin typeface="Cambria Math" panose="02040503050406030204" pitchFamily="18" charset="0"/>
-                            </a:rPr>
-                            <m:t>𝜕</m:t>
-                          </m:r>
-                          <m:sSub>
-                            <m:sSubPr>
-                              <m:ctrlPr>
-                                <a:rPr lang="en-US" altLang="zh-CN" sz="1000" i="1">
-                                  <a:latin typeface="Cambria Math" panose="02040503050406030204" pitchFamily="18" charset="0"/>
-                                </a:rPr>
-                              </m:ctrlPr>
-                            </m:sSubPr>
-                            <m:e>
-                              <m:r>
-                                <a:rPr lang="en-US" altLang="zh-CN" sz="1000" b="0" i="1" smtClean="0">
-                                  <a:latin typeface="Cambria Math" panose="02040503050406030204" pitchFamily="18" charset="0"/>
-                                </a:rPr>
-                                <m:t>𝑊</m:t>
-                              </m:r>
-                            </m:e>
-                            <m:sub>
-                              <m:r>
-                                <a:rPr lang="en-US" altLang="zh-CN" sz="1000" i="1">
-                                  <a:latin typeface="Cambria Math" panose="02040503050406030204" pitchFamily="18" charset="0"/>
-                                </a:rPr>
-                                <m:t>𝑖</m:t>
-                              </m:r>
-                            </m:sub>
-                          </m:sSub>
-                        </m:den>
-                      </m:f>
-                    </m:oMath>
-                  </m:oMathPara>
-                </a14:m>
-                <a:endParaRPr lang="zh-CN" altLang="en-US" sz="1000" dirty="0"/>
-              </a:p>
-            </p:txBody>
-          </p:sp>
-        </mc:Choice>
-        <mc:Fallback>
-          <p:sp>
-            <p:nvSpPr>
-              <p:cNvPr id="153" name="文本框 152"/>
-              <p:cNvSpPr txBox="1">
-                <a:spLocks noRot="1" noChangeAspect="1" noMove="1" noResize="1" noEditPoints="1" noAdjustHandles="1" noChangeArrowheads="1" noChangeShapeType="1" noTextEdit="1"/>
-              </p:cNvSpPr>
-              <p:nvPr/>
-            </p:nvSpPr>
-            <p:spPr>
-              <a:xfrm>
-                <a:off x="1939232" y="3195779"/>
-                <a:ext cx="996235" cy="318613"/>
-              </a:xfrm>
-              <a:prstGeom prst="rect">
-                <a:avLst/>
-              </a:prstGeom>
-              <a:blipFill>
-                <a:blip r:embed="rId8"/>
-                <a:stretch>
-                  <a:fillRect l="-2439" t="-3774" r="-610" b="-7547"/>
-                </a:stretch>
-              </a:blipFill>
-            </p:spPr>
-            <p:txBody>
-              <a:bodyPr/>
-              <a:lstStyle/>
-              <a:p>
-                <a:r>
-                  <a:rPr lang="zh-CN" altLang="en-US">
-                    <a:noFill/>
-                  </a:rPr>
-                  <a:t> </a:t>
-                </a:r>
-              </a:p>
-            </p:txBody>
-          </p:sp>
-        </mc:Fallback>
-      </mc:AlternateContent>
-      <mc:AlternateContent xmlns:mc="http://schemas.openxmlformats.org/markup-compatibility/2006">
-        <mc:Choice xmlns:a14="http://schemas.microsoft.com/office/drawing/2010/main" Requires="a14">
-          <p:sp>
-            <p:nvSpPr>
-              <p:cNvPr id="154" name="文本框 153"/>
-              <p:cNvSpPr txBox="1"/>
-              <p:nvPr/>
-            </p:nvSpPr>
-            <p:spPr>
-              <a:xfrm>
-                <a:off x="2516969" y="2772138"/>
-                <a:ext cx="1038554" cy="318998"/>
-              </a:xfrm>
-              <a:prstGeom prst="rect">
-                <a:avLst/>
-              </a:prstGeom>
-              <a:noFill/>
-            </p:spPr>
-            <p:txBody>
-              <a:bodyPr wrap="none" lIns="0" tIns="0" rIns="0" bIns="0" rtlCol="0">
-                <a:spAutoFit/>
-              </a:bodyPr>
-              <a:lstStyle/>
-              <a:p>
-                <a14:m>
-                  <m:oMathPara xmlns:m="http://schemas.openxmlformats.org/officeDocument/2006/math">
-                    <m:oMathParaPr>
-                      <m:jc m:val="centerGroup"/>
-                    </m:oMathParaPr>
-                    <m:oMath xmlns:m="http://schemas.openxmlformats.org/officeDocument/2006/math">
-                      <m:f>
-                        <m:fPr>
-                          <m:ctrlPr>
-                            <a:rPr lang="en-US" altLang="zh-CN" sz="1000" i="1" smtClean="0">
-                              <a:latin typeface="Cambria Math" panose="02040503050406030204" pitchFamily="18" charset="0"/>
-                            </a:rPr>
-                          </m:ctrlPr>
-                        </m:fPr>
-                        <m:num>
-                          <m:r>
-                            <a:rPr lang="zh-CN" altLang="en-US" sz="1000" i="1" smtClean="0">
-                              <a:latin typeface="Cambria Math" panose="02040503050406030204" pitchFamily="18" charset="0"/>
-                            </a:rPr>
-                            <m:t>𝜕</m:t>
-                          </m:r>
-                          <m:r>
-                            <a:rPr lang="en-US" altLang="zh-CN" sz="1000" b="0" i="1" smtClean="0">
-                              <a:latin typeface="Cambria Math" panose="02040503050406030204" pitchFamily="18" charset="0"/>
-                            </a:rPr>
-                            <m:t>𝐸</m:t>
-                          </m:r>
-                        </m:num>
-                        <m:den>
-                          <m:r>
-                            <a:rPr lang="zh-CN" altLang="en-US" sz="1000" i="1" smtClean="0">
-                              <a:latin typeface="Cambria Math" panose="02040503050406030204" pitchFamily="18" charset="0"/>
-                            </a:rPr>
-                            <m:t>𝜕</m:t>
-                          </m:r>
-                          <m:sSub>
-                            <m:sSubPr>
-                              <m:ctrlPr>
-                                <a:rPr lang="en-US" altLang="zh-CN" sz="1000" b="1" i="1" smtClean="0">
-                                  <a:latin typeface="Cambria Math" panose="02040503050406030204" pitchFamily="18" charset="0"/>
-                                </a:rPr>
-                              </m:ctrlPr>
-                            </m:sSubPr>
-                            <m:e>
-                              <m:r>
-                                <a:rPr lang="en-US" altLang="zh-CN" sz="1000" b="1" i="1" smtClean="0">
-                                  <a:latin typeface="Cambria Math" panose="02040503050406030204" pitchFamily="18" charset="0"/>
-                                </a:rPr>
-                                <m:t>𝒚</m:t>
-                              </m:r>
-                            </m:e>
-                            <m:sub>
-                              <m:r>
-                                <a:rPr lang="en-US" altLang="zh-CN" sz="1000" b="1" i="1" smtClean="0">
-                                  <a:latin typeface="Cambria Math" panose="02040503050406030204" pitchFamily="18" charset="0"/>
-                                </a:rPr>
                                 <m:t>𝒊</m:t>
                               </m:r>
                               <m:r>
-                                <a:rPr lang="en-US" altLang="zh-CN" sz="1000" b="1" i="1" smtClean="0">
+                                <a:rPr lang="en-US" altLang="zh-CN" sz="900" b="1" i="1" smtClean="0">
                                   <a:latin typeface="Cambria Math" panose="02040503050406030204" pitchFamily="18" charset="0"/>
                                 </a:rPr>
                                 <m:t>−</m:t>
                               </m:r>
                               <m:r>
-                                <a:rPr lang="en-US" altLang="zh-CN" sz="1000" b="1" i="1" smtClean="0">
-                                  <a:latin typeface="Cambria Math" panose="02040503050406030204" pitchFamily="18" charset="0"/>
-                                </a:rPr>
-                                <m:t>𝟏</m:t>
-                              </m:r>
-                            </m:sub>
-                          </m:sSub>
-                        </m:den>
-                      </m:f>
-                      <m:r>
-                        <a:rPr lang="en-US" altLang="zh-CN" sz="1000" b="0" i="1" smtClean="0">
-                          <a:latin typeface="Cambria Math" panose="02040503050406030204" pitchFamily="18" charset="0"/>
-                        </a:rPr>
-                        <m:t>=</m:t>
-                      </m:r>
-                      <m:f>
-                        <m:fPr>
-                          <m:ctrlPr>
-                            <a:rPr lang="en-US" altLang="zh-CN" sz="1000" i="1">
-                              <a:latin typeface="Cambria Math" panose="02040503050406030204" pitchFamily="18" charset="0"/>
-                            </a:rPr>
-                          </m:ctrlPr>
-                        </m:fPr>
-                        <m:num>
-                          <m:r>
-                            <a:rPr lang="zh-CN" altLang="en-US" sz="1000" i="1">
-                              <a:latin typeface="Cambria Math" panose="02040503050406030204" pitchFamily="18" charset="0"/>
-                            </a:rPr>
-                            <m:t>𝜕</m:t>
-                          </m:r>
-                          <m:r>
-                            <a:rPr lang="en-US" altLang="zh-CN" sz="1000" i="1">
-                              <a:latin typeface="Cambria Math" panose="02040503050406030204" pitchFamily="18" charset="0"/>
-                            </a:rPr>
-                            <m:t>𝐸</m:t>
-                          </m:r>
-                        </m:num>
-                        <m:den>
-                          <m:r>
-                            <a:rPr lang="zh-CN" altLang="en-US" sz="1000" i="1">
-                              <a:latin typeface="Cambria Math" panose="02040503050406030204" pitchFamily="18" charset="0"/>
-                            </a:rPr>
-                            <m:t>𝜕</m:t>
-                          </m:r>
-                          <m:sSub>
-                            <m:sSubPr>
-                              <m:ctrlPr>
-                                <a:rPr lang="en-US" altLang="zh-CN" sz="1000" b="1" i="1">
-                                  <a:latin typeface="Cambria Math" panose="02040503050406030204" pitchFamily="18" charset="0"/>
-                                </a:rPr>
-                              </m:ctrlPr>
-                            </m:sSubPr>
-                            <m:e>
-                              <m:r>
-                                <a:rPr lang="en-US" altLang="zh-CN" sz="1000" b="1" i="1" smtClean="0">
-                                  <a:latin typeface="Cambria Math" panose="02040503050406030204" pitchFamily="18" charset="0"/>
-                                </a:rPr>
-                                <m:t>𝒚</m:t>
-                              </m:r>
-                            </m:e>
-                            <m:sub>
-                              <m:r>
-                                <a:rPr lang="en-US" altLang="zh-CN" sz="1000" b="1" i="1">
-                                  <a:latin typeface="Cambria Math" panose="02040503050406030204" pitchFamily="18" charset="0"/>
-                                </a:rPr>
-                                <m:t>𝒊</m:t>
-                              </m:r>
-                            </m:sub>
-                          </m:sSub>
-                        </m:den>
-                      </m:f>
-                      <m:f>
-                        <m:fPr>
-                          <m:ctrlPr>
-                            <a:rPr lang="en-US" altLang="zh-CN" sz="1000" i="1" smtClean="0">
-                              <a:latin typeface="Cambria Math" panose="02040503050406030204" pitchFamily="18" charset="0"/>
-                            </a:rPr>
-                          </m:ctrlPr>
-                        </m:fPr>
-                        <m:num>
-                          <m:r>
-                            <a:rPr lang="zh-CN" altLang="en-US" sz="1000" i="1" smtClean="0">
-                              <a:latin typeface="Cambria Math" panose="02040503050406030204" pitchFamily="18" charset="0"/>
-                            </a:rPr>
-                            <m:t>𝜕</m:t>
-                          </m:r>
-                          <m:sSub>
-                            <m:sSubPr>
-                              <m:ctrlPr>
-                                <a:rPr lang="en-US" altLang="zh-CN" sz="1000" b="1" i="1">
-                                  <a:latin typeface="Cambria Math" panose="02040503050406030204" pitchFamily="18" charset="0"/>
-                                </a:rPr>
-                              </m:ctrlPr>
-                            </m:sSubPr>
-                            <m:e>
-                              <m:r>
-                                <a:rPr lang="en-US" altLang="zh-CN" sz="1000" b="1" i="1">
-                                  <a:latin typeface="Cambria Math" panose="02040503050406030204" pitchFamily="18" charset="0"/>
-                                </a:rPr>
-                                <m:t>𝒚</m:t>
-                              </m:r>
-                            </m:e>
-                            <m:sub>
-                              <m:r>
-                                <a:rPr lang="en-US" altLang="zh-CN" sz="1000" b="1" i="1">
-                                  <a:latin typeface="Cambria Math" panose="02040503050406030204" pitchFamily="18" charset="0"/>
-                                </a:rPr>
-                                <m:t>𝒊</m:t>
-                              </m:r>
-                            </m:sub>
-                          </m:sSub>
-                        </m:num>
-                        <m:den>
-                          <m:r>
-                            <a:rPr lang="zh-CN" altLang="en-US" sz="1000" i="1" smtClean="0">
-                              <a:latin typeface="Cambria Math" panose="02040503050406030204" pitchFamily="18" charset="0"/>
-                            </a:rPr>
-                            <m:t>𝜕</m:t>
-                          </m:r>
-                          <m:sSub>
-                            <m:sSubPr>
-                              <m:ctrlPr>
-                                <a:rPr lang="en-US" altLang="zh-CN" sz="1000" b="1" i="1" smtClean="0">
-                                  <a:latin typeface="Cambria Math" panose="02040503050406030204" pitchFamily="18" charset="0"/>
-                                </a:rPr>
-                              </m:ctrlPr>
-                            </m:sSubPr>
-                            <m:e>
-                              <m:r>
-                                <a:rPr lang="en-US" altLang="zh-CN" sz="1000" b="1" i="1" smtClean="0">
-                                  <a:latin typeface="Cambria Math" panose="02040503050406030204" pitchFamily="18" charset="0"/>
-                                </a:rPr>
-                                <m:t>𝒚</m:t>
-                              </m:r>
-                            </m:e>
-                            <m:sub>
-                              <m:r>
-                                <a:rPr lang="en-US" altLang="zh-CN" sz="1000" b="1" i="1" smtClean="0">
-                                  <a:latin typeface="Cambria Math" panose="02040503050406030204" pitchFamily="18" charset="0"/>
-                                </a:rPr>
-                                <m:t>𝒊</m:t>
-                              </m:r>
-                              <m:r>
-                                <a:rPr lang="en-US" altLang="zh-CN" sz="1000" b="1" i="1" smtClean="0">
-                                  <a:latin typeface="Cambria Math" panose="02040503050406030204" pitchFamily="18" charset="0"/>
-                                </a:rPr>
-                                <m:t>−</m:t>
-                              </m:r>
-                              <m:r>
-                                <a:rPr lang="en-US" altLang="zh-CN" sz="1000" b="1" i="1" smtClean="0">
+                                <a:rPr lang="en-US" altLang="zh-CN" sz="900" b="1" i="1" smtClean="0">
                                   <a:latin typeface="Cambria Math" panose="02040503050406030204" pitchFamily="18" charset="0"/>
                                 </a:rPr>
                                 <m:t>𝟏</m:t>
@@ -6522,7 +6535,7 @@
                     </m:oMath>
                   </m:oMathPara>
                 </a14:m>
-                <a:endParaRPr lang="zh-CN" altLang="en-US" sz="1000" dirty="0"/>
+                <a:endParaRPr lang="zh-CN" altLang="en-US" sz="900" dirty="0"/>
               </a:p>
             </p:txBody>
           </p:sp>
@@ -6539,7 +6552,7 @@
             <p:spPr>
               <a:xfrm>
                 <a:off x="2516969" y="2772138"/>
-                <a:ext cx="1038554" cy="318998"/>
+                <a:ext cx="935384" cy="287066"/>
               </a:xfrm>
               <a:prstGeom prst="rect">
                 <a:avLst/>
@@ -6547,7 +6560,7 @@
               <a:blipFill>
                 <a:blip r:embed="rId9"/>
                 <a:stretch>
-                  <a:fillRect l="-2941" t="-5769" r="-1176" b="-11538"/>
+                  <a:fillRect l="-2614" t="-2128" r="-1307" b="-14894"/>
                 </a:stretch>
               </a:blipFill>
             </p:spPr>
